--- a/avc-images/apresentação II.pptx
+++ b/avc-images/apresentação II.pptx
@@ -15,13 +15,14 @@
     <p:sldId id="268" r:id="rId9"/>
     <p:sldId id="274" r:id="rId10"/>
     <p:sldId id="265" r:id="rId11"/>
-    <p:sldId id="275" r:id="rId12"/>
+    <p:sldId id="276" r:id="rId12"/>
     <p:sldId id="262" r:id="rId13"/>
-    <p:sldId id="263" r:id="rId14"/>
-    <p:sldId id="264" r:id="rId15"/>
-    <p:sldId id="270" r:id="rId16"/>
-    <p:sldId id="271" r:id="rId17"/>
-    <p:sldId id="272" r:id="rId18"/>
+    <p:sldId id="279" r:id="rId14"/>
+    <p:sldId id="278" r:id="rId15"/>
+    <p:sldId id="264" r:id="rId16"/>
+    <p:sldId id="270" r:id="rId17"/>
+    <p:sldId id="271" r:id="rId18"/>
+    <p:sldId id="272" r:id="rId19"/>
   </p:sldIdLst>
   <p:sldSz cx="12192000" cy="6858000"/>
   <p:notesSz cx="6858000" cy="9144000"/>
@@ -290,7 +291,7 @@
           <a:p>
             <a:fld id="{A13F4FCF-11A6-4574-B39A-7F4B241CA0C1}" type="datetimeFigureOut">
               <a:rPr lang="pt-BR" smtClean="0"/>
-              <a:t>12/10/2022</a:t>
+              <a:t>13/10/2022</a:t>
             </a:fld>
             <a:endParaRPr lang="pt-BR"/>
           </a:p>
@@ -488,7 +489,7 @@
           <a:p>
             <a:fld id="{A13F4FCF-11A6-4574-B39A-7F4B241CA0C1}" type="datetimeFigureOut">
               <a:rPr lang="pt-BR" smtClean="0"/>
-              <a:t>12/10/2022</a:t>
+              <a:t>13/10/2022</a:t>
             </a:fld>
             <a:endParaRPr lang="pt-BR"/>
           </a:p>
@@ -696,7 +697,7 @@
           <a:p>
             <a:fld id="{A13F4FCF-11A6-4574-B39A-7F4B241CA0C1}" type="datetimeFigureOut">
               <a:rPr lang="pt-BR" smtClean="0"/>
-              <a:t>12/10/2022</a:t>
+              <a:t>13/10/2022</a:t>
             </a:fld>
             <a:endParaRPr lang="pt-BR"/>
           </a:p>
@@ -1439,7 +1440,7 @@
           <a:p>
             <a:fld id="{A13F4FCF-11A6-4574-B39A-7F4B241CA0C1}" type="datetimeFigureOut">
               <a:rPr lang="pt-BR" smtClean="0"/>
-              <a:t>12/10/2022</a:t>
+              <a:t>13/10/2022</a:t>
             </a:fld>
             <a:endParaRPr lang="pt-BR"/>
           </a:p>
@@ -1861,7 +1862,7 @@
           <a:p>
             <a:fld id="{A13F4FCF-11A6-4574-B39A-7F4B241CA0C1}" type="datetimeFigureOut">
               <a:rPr lang="pt-BR" smtClean="0"/>
-              <a:t>12/10/2022</a:t>
+              <a:t>13/10/2022</a:t>
             </a:fld>
             <a:endParaRPr lang="pt-BR"/>
           </a:p>
@@ -2002,7 +2003,7 @@
           <a:p>
             <a:fld id="{A13F4FCF-11A6-4574-B39A-7F4B241CA0C1}" type="datetimeFigureOut">
               <a:rPr lang="pt-BR" smtClean="0"/>
-              <a:t>12/10/2022</a:t>
+              <a:t>13/10/2022</a:t>
             </a:fld>
             <a:endParaRPr lang="pt-BR"/>
           </a:p>
@@ -2115,7 +2116,7 @@
           <a:p>
             <a:fld id="{A13F4FCF-11A6-4574-B39A-7F4B241CA0C1}" type="datetimeFigureOut">
               <a:rPr lang="pt-BR" smtClean="0"/>
-              <a:t>12/10/2022</a:t>
+              <a:t>13/10/2022</a:t>
             </a:fld>
             <a:endParaRPr lang="pt-BR"/>
           </a:p>
@@ -2426,7 +2427,7 @@
           <a:p>
             <a:fld id="{A13F4FCF-11A6-4574-B39A-7F4B241CA0C1}" type="datetimeFigureOut">
               <a:rPr lang="pt-BR" smtClean="0"/>
-              <a:t>12/10/2022</a:t>
+              <a:t>13/10/2022</a:t>
             </a:fld>
             <a:endParaRPr lang="pt-BR"/>
           </a:p>
@@ -2714,7 +2715,7 @@
           <a:p>
             <a:fld id="{A13F4FCF-11A6-4574-B39A-7F4B241CA0C1}" type="datetimeFigureOut">
               <a:rPr lang="pt-BR" smtClean="0"/>
-              <a:t>12/10/2022</a:t>
+              <a:t>13/10/2022</a:t>
             </a:fld>
             <a:endParaRPr lang="pt-BR"/>
           </a:p>
@@ -2955,7 +2956,7 @@
           <a:p>
             <a:fld id="{A13F4FCF-11A6-4574-B39A-7F4B241CA0C1}" type="datetimeFigureOut">
               <a:rPr lang="pt-BR" smtClean="0"/>
-              <a:t>12/10/2022</a:t>
+              <a:t>13/10/2022</a:t>
             </a:fld>
             <a:endParaRPr lang="pt-BR"/>
           </a:p>
@@ -3534,20 +3535,16 @@
           </a:bodyPr>
           <a:lstStyle/>
           <a:p>
+            <a:pPr marL="0" indent="0">
+              <a:buNone/>
+            </a:pPr>
             <a:r>
               <a:rPr lang="pt-BR" dirty="0"/>
-              <a:t>É uma Rede Neural Convolucional:</a:t>
+              <a:t>Rede Neural Convolucional: </a:t>
             </a:r>
           </a:p>
           <a:p>
             <a:pPr lvl="1"/>
-            <a:r>
-              <a:rPr lang="pt-BR" dirty="0"/>
-              <a:t>Rede neural: </a:t>
-            </a:r>
-          </a:p>
-          <a:p>
-            <a:pPr lvl="2"/>
             <a:r>
               <a:rPr lang="pt-BR" dirty="0"/>
               <a:t>Conjunto de camadas interconectadas compostas por vários </a:t>
@@ -3556,10 +3553,16 @@
               <a:rPr lang="pt-BR" b="1" dirty="0"/>
               <a:t>neurônios artificiais</a:t>
             </a:r>
-            <a:endParaRPr lang="pt-BR" dirty="0"/>
-          </a:p>
-          <a:p>
-            <a:pPr lvl="2"/>
+          </a:p>
+          <a:p>
+            <a:pPr lvl="1"/>
+            <a:r>
+              <a:rPr lang="pt-BR" dirty="0"/>
+              <a:t>Possui camadas para realçar detalhes dos dados recebidos</a:t>
+            </a:r>
+          </a:p>
+          <a:p>
+            <a:pPr lvl="1"/>
             <a:r>
               <a:rPr lang="pt-BR" dirty="0"/>
               <a:t>Possibilitam o computador a </a:t>
@@ -3590,39 +3593,14 @@
             </a:r>
           </a:p>
           <a:p>
-            <a:pPr marL="914400" lvl="2" indent="0">
+            <a:pPr marL="457200" lvl="1" indent="0">
               <a:buNone/>
             </a:pPr>
-            <a:endParaRPr lang="pt-BR" sz="1000" dirty="0"/>
+            <a:endParaRPr lang="pt-BR" sz="1200" dirty="0"/>
           </a:p>
           <a:p>
             <a:pPr lvl="1"/>
-            <a:r>
-              <a:rPr lang="pt-BR" dirty="0"/>
-              <a:t>Além das camadas densas de neurônios, apresenta também:</a:t>
-            </a:r>
-          </a:p>
-          <a:p>
-            <a:pPr lvl="2"/>
-            <a:r>
-              <a:rPr lang="pt-BR" dirty="0"/>
-              <a:t>Camadas de convolução: realçar detalhes</a:t>
-            </a:r>
-          </a:p>
-          <a:p>
-            <a:pPr lvl="2"/>
-            <a:r>
-              <a:rPr lang="pt-BR" dirty="0"/>
-              <a:t>Camadas de </a:t>
-            </a:r>
-            <a:r>
-              <a:rPr lang="pt-BR" dirty="0" err="1"/>
-              <a:t>pooling</a:t>
-            </a:r>
-            <a:r>
-              <a:rPr lang="pt-BR" dirty="0"/>
-              <a:t>: reduzir imagem</a:t>
-            </a:r>
+            <a:endParaRPr lang="pt-BR" dirty="0"/>
           </a:p>
         </p:txBody>
       </p:sp>
@@ -3679,7 +3657,7 @@
           <a:p>
             <a:r>
               <a:rPr lang="pt-BR" dirty="0"/>
-              <a:t>Rede Neural Convolucional – exemplos</a:t>
+              <a:t>Sobre a rede desenvolvida - introdução</a:t>
             </a:r>
           </a:p>
         </p:txBody>
@@ -3707,31 +3685,90 @@
           </a:bodyPr>
           <a:lstStyle/>
           <a:p>
+            <a:pPr marL="0" indent="0">
+              <a:buNone/>
+            </a:pPr>
             <a:r>
               <a:rPr lang="pt-BR" dirty="0"/>
-              <a:t>Alguns exemplos bastante conhecidos:</a:t>
+              <a:t>Rede Neural Convolucional: </a:t>
             </a:r>
           </a:p>
           <a:p>
             <a:pPr lvl="1"/>
+            <a:r>
+              <a:rPr lang="pt-BR" dirty="0"/>
+              <a:t>Apresenta:</a:t>
+            </a:r>
+          </a:p>
+          <a:p>
+            <a:pPr lvl="2"/>
+            <a:r>
+              <a:rPr lang="pt-BR" b="1" dirty="0"/>
+              <a:t>Camadas de convolução: </a:t>
+            </a:r>
+            <a:r>
+              <a:rPr lang="pt-BR" dirty="0"/>
+              <a:t>realçar detalhes</a:t>
+            </a:r>
+          </a:p>
+          <a:p>
+            <a:pPr lvl="2"/>
+            <a:r>
+              <a:rPr lang="pt-BR" b="1" dirty="0"/>
+              <a:t>Camadas de </a:t>
+            </a:r>
+            <a:r>
+              <a:rPr lang="pt-BR" b="1" dirty="0" err="1"/>
+              <a:t>pooling</a:t>
+            </a:r>
+            <a:r>
+              <a:rPr lang="pt-BR" b="1" dirty="0"/>
+              <a:t>: </a:t>
+            </a:r>
+            <a:r>
+              <a:rPr lang="pt-BR" dirty="0"/>
+              <a:t>reduzir imagem</a:t>
+            </a:r>
+          </a:p>
+          <a:p>
+            <a:pPr lvl="2"/>
+            <a:r>
+              <a:rPr lang="pt-BR" b="1" dirty="0"/>
+              <a:t>Camadas densas de neurônios: </a:t>
+            </a:r>
+            <a:r>
+              <a:rPr lang="pt-BR" dirty="0"/>
+              <a:t>ajustam a rede de acordo com os dados</a:t>
+            </a:r>
+          </a:p>
+          <a:p>
+            <a:pPr lvl="2"/>
+            <a:endParaRPr lang="pt-BR" sz="1000" dirty="0"/>
+          </a:p>
+          <a:p>
+            <a:pPr lvl="1"/>
+            <a:r>
+              <a:rPr lang="pt-BR" dirty="0"/>
+              <a:t>Exemplos famosos:</a:t>
+            </a:r>
+          </a:p>
+          <a:p>
+            <a:pPr lvl="2"/>
             <a:r>
               <a:rPr lang="pt-BR" dirty="0"/>
               <a:t>LeNet-5</a:t>
             </a:r>
           </a:p>
           <a:p>
-            <a:pPr lvl="1"/>
+            <a:pPr lvl="2"/>
             <a:r>
               <a:rPr lang="pt-BR" dirty="0" err="1"/>
               <a:t>ResNet</a:t>
             </a:r>
-            <a:r>
-              <a:rPr lang="pt-BR" dirty="0"/>
-              <a:t>: </a:t>
-            </a:r>
-          </a:p>
-          <a:p>
-            <a:pPr lvl="1"/>
+            <a:endParaRPr lang="pt-BR" dirty="0"/>
+          </a:p>
+          <a:p>
+            <a:pPr lvl="2"/>
             <a:r>
               <a:rPr lang="pt-BR" dirty="0" err="1"/>
               <a:t>AlexNet</a:t>
@@ -3739,11 +3776,17 @@
             <a:endParaRPr lang="pt-BR" dirty="0"/>
           </a:p>
           <a:p>
-            <a:pPr lvl="1"/>
+            <a:pPr lvl="2"/>
             <a:r>
               <a:rPr lang="pt-BR" b="1" dirty="0"/>
               <a:t>VGG-16</a:t>
             </a:r>
+          </a:p>
+          <a:p>
+            <a:pPr marL="457200" lvl="1" indent="0">
+              <a:buNone/>
+            </a:pPr>
+            <a:endParaRPr lang="pt-BR" sz="1200" dirty="0"/>
           </a:p>
           <a:p>
             <a:pPr lvl="1"/>
@@ -3754,7 +3797,7 @@
     </p:spTree>
     <p:extLst>
       <p:ext uri="{BB962C8B-B14F-4D97-AF65-F5344CB8AC3E}">
-        <p14:creationId xmlns:p14="http://schemas.microsoft.com/office/powerpoint/2010/main" val="384792916"/>
+        <p14:creationId xmlns:p14="http://schemas.microsoft.com/office/powerpoint/2010/main" val="3594115775"/>
       </p:ext>
     </p:extLst>
   </p:cSld>
@@ -3804,7 +3847,7 @@
           <a:p>
             <a:r>
               <a:rPr lang="pt-BR" dirty="0"/>
-              <a:t>Arquitetura VGG-16</a:t>
+              <a:t>Rede VGG-16</a:t>
             </a:r>
           </a:p>
         </p:txBody>
@@ -3928,14 +3971,21 @@
             <p:ph type="title"/>
           </p:nvPr>
         </p:nvSpPr>
-        <p:spPr/>
+        <p:spPr>
+          <a:xfrm>
+            <a:off x="838200" y="365125"/>
+            <a:ext cx="10515600" cy="1325563"/>
+          </a:xfrm>
+        </p:spPr>
         <p:txBody>
-          <a:bodyPr/>
+          <a:bodyPr>
+            <a:normAutofit/>
+          </a:bodyPr>
           <a:lstStyle/>
           <a:p>
             <a:r>
-              <a:rPr lang="pt-BR" dirty="0"/>
-              <a:t>Melhorando desempenho</a:t>
+              <a:rPr lang="pt-BR" sz="3600" dirty="0"/>
+              <a:t>Sobre a rede desenvolvida – arquitetura simplificada</a:t>
             </a:r>
           </a:p>
         </p:txBody>
@@ -3958,12 +4008,24 @@
         </p:nvSpPr>
         <p:spPr/>
         <p:txBody>
-          <a:bodyPr/>
+          <a:bodyPr>
+            <a:normAutofit/>
+          </a:bodyPr>
           <a:lstStyle/>
           <a:p>
+            <a:pPr marL="0" indent="0">
+              <a:buNone/>
+            </a:pPr>
             <a:r>
               <a:rPr lang="pt-BR" dirty="0"/>
-              <a:t>Data </a:t>
+              <a:t>Camadas que compõem a rede:</a:t>
+            </a:r>
+          </a:p>
+          <a:p>
+            <a:pPr lvl="1"/>
+            <a:r>
+              <a:rPr lang="pt-BR" dirty="0"/>
+              <a:t>Camadas de pré processamento (data </a:t>
             </a:r>
             <a:r>
               <a:rPr lang="pt-BR" dirty="0" err="1"/>
@@ -3971,15 +4033,82 @@
             </a:r>
             <a:r>
               <a:rPr lang="pt-BR" dirty="0"/>
-              <a:t>: aplicar técnicas para aumentar o conjunto de dados sem colocar novas imagens</a:t>
-            </a:r>
+              <a:t>)</a:t>
+            </a:r>
+          </a:p>
+          <a:p>
+            <a:pPr lvl="1"/>
+            <a:r>
+              <a:rPr lang="pt-BR" dirty="0"/>
+              <a:t>Camadas da VGG pré treinadas (diversas camadas de convolução e </a:t>
+            </a:r>
+            <a:r>
+              <a:rPr lang="pt-BR" dirty="0" err="1"/>
+              <a:t>pooling</a:t>
+            </a:r>
+            <a:r>
+              <a:rPr lang="pt-BR" dirty="0"/>
+              <a:t> pré estruturadas e treinadas – </a:t>
+            </a:r>
+            <a:r>
+              <a:rPr lang="pt-BR" i="1" dirty="0" err="1"/>
+              <a:t>transfer</a:t>
+            </a:r>
+            <a:r>
+              <a:rPr lang="pt-BR" i="1" dirty="0"/>
+              <a:t> </a:t>
+            </a:r>
+            <a:r>
+              <a:rPr lang="pt-BR" i="1" dirty="0" err="1"/>
+              <a:t>learning</a:t>
+            </a:r>
+            <a:r>
+              <a:rPr lang="pt-BR" dirty="0"/>
+              <a:t>)</a:t>
+            </a:r>
+          </a:p>
+          <a:p>
+            <a:pPr lvl="1"/>
+            <a:r>
+              <a:rPr lang="pt-BR" dirty="0"/>
+              <a:t>Camada </a:t>
+            </a:r>
+            <a:r>
+              <a:rPr lang="pt-BR" dirty="0" err="1"/>
+              <a:t>Flatten</a:t>
+            </a:r>
+            <a:endParaRPr lang="pt-BR" dirty="0"/>
+          </a:p>
+          <a:p>
+            <a:pPr lvl="1"/>
+            <a:r>
+              <a:rPr lang="pt-BR" dirty="0"/>
+              <a:t>Camadas densas de neurônios</a:t>
+            </a:r>
+          </a:p>
+          <a:p>
+            <a:pPr lvl="1"/>
+            <a:r>
+              <a:rPr lang="pt-BR" dirty="0"/>
+              <a:t>Camada de saída</a:t>
+            </a:r>
+          </a:p>
+          <a:p>
+            <a:pPr marL="914400" lvl="2" indent="0">
+              <a:buNone/>
+            </a:pPr>
+            <a:endParaRPr lang="pt-BR" sz="1000" dirty="0"/>
+          </a:p>
+          <a:p>
+            <a:pPr lvl="1"/>
+            <a:endParaRPr lang="pt-BR" dirty="0"/>
           </a:p>
         </p:txBody>
       </p:sp>
     </p:spTree>
     <p:extLst>
       <p:ext uri="{BB962C8B-B14F-4D97-AF65-F5344CB8AC3E}">
-        <p14:creationId xmlns:p14="http://schemas.microsoft.com/office/powerpoint/2010/main" val="1170366322"/>
+        <p14:creationId xmlns:p14="http://schemas.microsoft.com/office/powerpoint/2010/main" val="522236478"/>
       </p:ext>
     </p:extLst>
   </p:cSld>
@@ -3990,6 +4119,97 @@
 </file>
 
 <file path=ppt/slides/slide14.xml><?xml version="1.0" encoding="utf-8"?>
+<p:sld xmlns:a="http://schemas.openxmlformats.org/drawingml/2006/main" xmlns:r="http://schemas.openxmlformats.org/officeDocument/2006/relationships" xmlns:p="http://schemas.openxmlformats.org/presentationml/2006/main">
+  <p:cSld>
+    <p:spTree>
+      <p:nvGrpSpPr>
+        <p:cNvPr id="1" name=""/>
+        <p:cNvGrpSpPr/>
+        <p:nvPr/>
+      </p:nvGrpSpPr>
+      <p:grpSpPr>
+        <a:xfrm>
+          <a:off x="0" y="0"/>
+          <a:ext cx="0" cy="0"/>
+          <a:chOff x="0" y="0"/>
+          <a:chExt cx="0" cy="0"/>
+        </a:xfrm>
+      </p:grpSpPr>
+      <p:sp>
+        <p:nvSpPr>
+          <p:cNvPr id="2" name="Título 1">
+            <a:extLst>
+              <a:ext uri="{FF2B5EF4-FFF2-40B4-BE49-F238E27FC236}">
+                <a16:creationId xmlns:a16="http://schemas.microsoft.com/office/drawing/2014/main" id="{7CF8DE70-FEF7-4357-BEF2-8B9F283BD640}"/>
+              </a:ext>
+            </a:extLst>
+          </p:cNvPr>
+          <p:cNvSpPr>
+            <a:spLocks noGrp="1"/>
+          </p:cNvSpPr>
+          <p:nvPr>
+            <p:ph type="title"/>
+          </p:nvPr>
+        </p:nvSpPr>
+        <p:spPr/>
+        <p:txBody>
+          <a:bodyPr>
+            <a:normAutofit/>
+          </a:bodyPr>
+          <a:lstStyle/>
+          <a:p>
+            <a:r>
+              <a:rPr lang="pt-BR" sz="3600" dirty="0"/>
+              <a:t>Sobre a rede desenvolvida – arquitetura final</a:t>
+            </a:r>
+          </a:p>
+        </p:txBody>
+      </p:sp>
+      <p:sp>
+        <p:nvSpPr>
+          <p:cNvPr id="3" name="Espaço Reservado para Conteúdo 2">
+            <a:extLst>
+              <a:ext uri="{FF2B5EF4-FFF2-40B4-BE49-F238E27FC236}">
+                <a16:creationId xmlns:a16="http://schemas.microsoft.com/office/drawing/2014/main" id="{480BDFB0-3F77-4040-B02F-48081BC0E520}"/>
+              </a:ext>
+            </a:extLst>
+          </p:cNvPr>
+          <p:cNvSpPr>
+            <a:spLocks noGrp="1"/>
+          </p:cNvSpPr>
+          <p:nvPr>
+            <p:ph idx="1"/>
+          </p:nvPr>
+        </p:nvSpPr>
+        <p:spPr/>
+        <p:txBody>
+          <a:bodyPr/>
+          <a:lstStyle/>
+          <a:p>
+            <a:r>
+              <a:rPr lang="pt-BR" dirty="0"/>
+              <a:t>Imagem</a:t>
+            </a:r>
+          </a:p>
+          <a:p>
+            <a:endParaRPr lang="pt-BR" dirty="0"/>
+          </a:p>
+        </p:txBody>
+      </p:sp>
+    </p:spTree>
+    <p:extLst>
+      <p:ext uri="{BB962C8B-B14F-4D97-AF65-F5344CB8AC3E}">
+        <p14:creationId xmlns:p14="http://schemas.microsoft.com/office/powerpoint/2010/main" val="4002728927"/>
+      </p:ext>
+    </p:extLst>
+  </p:cSld>
+  <p:clrMapOvr>
+    <a:masterClrMapping/>
+  </p:clrMapOvr>
+</p:sld>
+</file>
+
+<file path=ppt/slides/slide15.xml><?xml version="1.0" encoding="utf-8"?>
 <p:sld xmlns:a="http://schemas.openxmlformats.org/drawingml/2006/main" xmlns:r="http://schemas.openxmlformats.org/officeDocument/2006/relationships" xmlns:p="http://schemas.openxmlformats.org/presentationml/2006/main">
   <p:cSld>
     <p:spTree>
@@ -5387,7 +5607,7 @@
 </p:sld>
 </file>
 
-<file path=ppt/slides/slide15.xml><?xml version="1.0" encoding="utf-8"?>
+<file path=ppt/slides/slide16.xml><?xml version="1.0" encoding="utf-8"?>
 <p:sld xmlns:a="http://schemas.openxmlformats.org/drawingml/2006/main" xmlns:r="http://schemas.openxmlformats.org/officeDocument/2006/relationships" xmlns:p="http://schemas.openxmlformats.org/presentationml/2006/main">
   <p:cSld>
     <p:spTree>
@@ -5445,7 +5665,7 @@
 </p:sld>
 </file>
 
-<file path=ppt/slides/slide16.xml><?xml version="1.0" encoding="utf-8"?>
+<file path=ppt/slides/slide17.xml><?xml version="1.0" encoding="utf-8"?>
 <p:sld xmlns:a="http://schemas.openxmlformats.org/drawingml/2006/main" xmlns:r="http://schemas.openxmlformats.org/officeDocument/2006/relationships" xmlns:p="http://schemas.openxmlformats.org/presentationml/2006/main">
   <p:cSld>
     <p:spTree>
@@ -6652,7 +6872,7 @@
 </p:sld>
 </file>
 
-<file path=ppt/slides/slide17.xml><?xml version="1.0" encoding="utf-8"?>
+<file path=ppt/slides/slide18.xml><?xml version="1.0" encoding="utf-8"?>
 <p:sld xmlns:a="http://schemas.openxmlformats.org/drawingml/2006/main" xmlns:r="http://schemas.openxmlformats.org/officeDocument/2006/relationships" xmlns:p="http://schemas.openxmlformats.org/presentationml/2006/main">
   <p:cSld>
     <p:spTree>
@@ -6990,7 +7210,7 @@
             </a:r>
             <a:r>
               <a:rPr lang="pt-BR" dirty="0"/>
-              <a:t>recebe imagens de radiografia sobre um indivíduo e o classifica como possível vítima ou não</a:t>
+              <a:t>recebe imagens de tomografia sobre o cérebro de um indivíduo e o classifica como possível vítima ou não</a:t>
             </a:r>
           </a:p>
         </p:txBody>

--- a/avc-images/apresentação II.pptx
+++ b/avc-images/apresentação II.pptx
@@ -6,23 +6,21 @@
   </p:sldMasterIdLst>
   <p:sldIdLst>
     <p:sldId id="256" r:id="rId2"/>
-    <p:sldId id="257" r:id="rId3"/>
-    <p:sldId id="258" r:id="rId4"/>
-    <p:sldId id="259" r:id="rId5"/>
-    <p:sldId id="267" r:id="rId6"/>
-    <p:sldId id="260" r:id="rId7"/>
-    <p:sldId id="266" r:id="rId8"/>
-    <p:sldId id="268" r:id="rId9"/>
-    <p:sldId id="274" r:id="rId10"/>
-    <p:sldId id="265" r:id="rId11"/>
-    <p:sldId id="276" r:id="rId12"/>
-    <p:sldId id="262" r:id="rId13"/>
-    <p:sldId id="279" r:id="rId14"/>
-    <p:sldId id="278" r:id="rId15"/>
-    <p:sldId id="264" r:id="rId16"/>
-    <p:sldId id="270" r:id="rId17"/>
-    <p:sldId id="271" r:id="rId18"/>
-    <p:sldId id="272" r:id="rId19"/>
+    <p:sldId id="258" r:id="rId3"/>
+    <p:sldId id="259" r:id="rId4"/>
+    <p:sldId id="267" r:id="rId5"/>
+    <p:sldId id="260" r:id="rId6"/>
+    <p:sldId id="266" r:id="rId7"/>
+    <p:sldId id="268" r:id="rId8"/>
+    <p:sldId id="274" r:id="rId9"/>
+    <p:sldId id="265" r:id="rId10"/>
+    <p:sldId id="276" r:id="rId11"/>
+    <p:sldId id="262" r:id="rId12"/>
+    <p:sldId id="279" r:id="rId13"/>
+    <p:sldId id="264" r:id="rId14"/>
+    <p:sldId id="270" r:id="rId15"/>
+    <p:sldId id="271" r:id="rId16"/>
+    <p:sldId id="272" r:id="rId17"/>
   </p:sldIdLst>
   <p:sldSz cx="12192000" cy="6858000"/>
   <p:notesSz cx="6858000" cy="9144000"/>
@@ -291,9 +289,9 @@
           <a:p>
             <a:fld id="{A13F4FCF-11A6-4574-B39A-7F4B241CA0C1}" type="datetimeFigureOut">
               <a:rPr lang="pt-BR" smtClean="0"/>
-              <a:t>13/10/2022</a:t>
+              <a:t>14/10/2022</a:t>
             </a:fld>
-            <a:endParaRPr lang="pt-BR"/>
+            <a:endParaRPr lang="pt-BR" dirty="0"/>
           </a:p>
         </p:txBody>
       </p:sp>
@@ -318,7 +316,7 @@
           <a:bodyPr/>
           <a:lstStyle/>
           <a:p>
-            <a:endParaRPr lang="pt-BR"/>
+            <a:endParaRPr lang="pt-BR" dirty="0"/>
           </a:p>
         </p:txBody>
       </p:sp>
@@ -347,7 +345,7 @@
               <a:rPr lang="pt-BR" smtClean="0"/>
               <a:t>‹nº›</a:t>
             </a:fld>
-            <a:endParaRPr lang="pt-BR"/>
+            <a:endParaRPr lang="pt-BR" dirty="0"/>
           </a:p>
         </p:txBody>
       </p:sp>
@@ -489,9 +487,9 @@
           <a:p>
             <a:fld id="{A13F4FCF-11A6-4574-B39A-7F4B241CA0C1}" type="datetimeFigureOut">
               <a:rPr lang="pt-BR" smtClean="0"/>
-              <a:t>13/10/2022</a:t>
+              <a:t>14/10/2022</a:t>
             </a:fld>
-            <a:endParaRPr lang="pt-BR"/>
+            <a:endParaRPr lang="pt-BR" dirty="0"/>
           </a:p>
         </p:txBody>
       </p:sp>
@@ -516,7 +514,7 @@
           <a:bodyPr/>
           <a:lstStyle/>
           <a:p>
-            <a:endParaRPr lang="pt-BR"/>
+            <a:endParaRPr lang="pt-BR" dirty="0"/>
           </a:p>
         </p:txBody>
       </p:sp>
@@ -545,7 +543,7 @@
               <a:rPr lang="pt-BR" smtClean="0"/>
               <a:t>‹nº›</a:t>
             </a:fld>
-            <a:endParaRPr lang="pt-BR"/>
+            <a:endParaRPr lang="pt-BR" dirty="0"/>
           </a:p>
         </p:txBody>
       </p:sp>
@@ -697,9 +695,9 @@
           <a:p>
             <a:fld id="{A13F4FCF-11A6-4574-B39A-7F4B241CA0C1}" type="datetimeFigureOut">
               <a:rPr lang="pt-BR" smtClean="0"/>
-              <a:t>13/10/2022</a:t>
+              <a:t>14/10/2022</a:t>
             </a:fld>
-            <a:endParaRPr lang="pt-BR"/>
+            <a:endParaRPr lang="pt-BR" dirty="0"/>
           </a:p>
         </p:txBody>
       </p:sp>
@@ -724,7 +722,7 @@
           <a:bodyPr/>
           <a:lstStyle/>
           <a:p>
-            <a:endParaRPr lang="pt-BR"/>
+            <a:endParaRPr lang="pt-BR" dirty="0"/>
           </a:p>
         </p:txBody>
       </p:sp>
@@ -753,7 +751,7 @@
               <a:rPr lang="pt-BR" smtClean="0"/>
               <a:t>‹nº›</a:t>
             </a:fld>
-            <a:endParaRPr lang="pt-BR"/>
+            <a:endParaRPr lang="pt-BR" dirty="0"/>
           </a:p>
         </p:txBody>
       </p:sp>
@@ -958,7 +956,7 @@
               <a:rPr lang="pt-BR" smtClean="0"/>
               <a:t>‹nº›</a:t>
             </a:fld>
-            <a:endParaRPr lang="pt-BR"/>
+            <a:endParaRPr lang="pt-BR" dirty="0"/>
           </a:p>
         </p:txBody>
       </p:sp>
@@ -1231,7 +1229,7 @@
               <a:rPr lang="pt-BR" smtClean="0"/>
               <a:t>‹nº›</a:t>
             </a:fld>
-            <a:endParaRPr lang="pt-BR"/>
+            <a:endParaRPr lang="pt-BR" dirty="0"/>
           </a:p>
         </p:txBody>
       </p:sp>
@@ -1440,9 +1438,9 @@
           <a:p>
             <a:fld id="{A13F4FCF-11A6-4574-B39A-7F4B241CA0C1}" type="datetimeFigureOut">
               <a:rPr lang="pt-BR" smtClean="0"/>
-              <a:t>13/10/2022</a:t>
+              <a:t>14/10/2022</a:t>
             </a:fld>
-            <a:endParaRPr lang="pt-BR"/>
+            <a:endParaRPr lang="pt-BR" dirty="0"/>
           </a:p>
         </p:txBody>
       </p:sp>
@@ -1467,7 +1465,7 @@
           <a:bodyPr/>
           <a:lstStyle/>
           <a:p>
-            <a:endParaRPr lang="pt-BR"/>
+            <a:endParaRPr lang="pt-BR" dirty="0"/>
           </a:p>
         </p:txBody>
       </p:sp>
@@ -1496,7 +1494,7 @@
               <a:rPr lang="pt-BR" smtClean="0"/>
               <a:t>‹nº›</a:t>
             </a:fld>
-            <a:endParaRPr lang="pt-BR"/>
+            <a:endParaRPr lang="pt-BR" dirty="0"/>
           </a:p>
         </p:txBody>
       </p:sp>
@@ -1862,9 +1860,9 @@
           <a:p>
             <a:fld id="{A13F4FCF-11A6-4574-B39A-7F4B241CA0C1}" type="datetimeFigureOut">
               <a:rPr lang="pt-BR" smtClean="0"/>
-              <a:t>13/10/2022</a:t>
+              <a:t>14/10/2022</a:t>
             </a:fld>
-            <a:endParaRPr lang="pt-BR"/>
+            <a:endParaRPr lang="pt-BR" dirty="0"/>
           </a:p>
         </p:txBody>
       </p:sp>
@@ -1889,7 +1887,7 @@
           <a:bodyPr/>
           <a:lstStyle/>
           <a:p>
-            <a:endParaRPr lang="pt-BR"/>
+            <a:endParaRPr lang="pt-BR" dirty="0"/>
           </a:p>
         </p:txBody>
       </p:sp>
@@ -1918,7 +1916,7 @@
               <a:rPr lang="pt-BR" smtClean="0"/>
               <a:t>‹nº›</a:t>
             </a:fld>
-            <a:endParaRPr lang="pt-BR"/>
+            <a:endParaRPr lang="pt-BR" dirty="0"/>
           </a:p>
         </p:txBody>
       </p:sp>
@@ -2003,9 +2001,9 @@
           <a:p>
             <a:fld id="{A13F4FCF-11A6-4574-B39A-7F4B241CA0C1}" type="datetimeFigureOut">
               <a:rPr lang="pt-BR" smtClean="0"/>
-              <a:t>13/10/2022</a:t>
+              <a:t>14/10/2022</a:t>
             </a:fld>
-            <a:endParaRPr lang="pt-BR"/>
+            <a:endParaRPr lang="pt-BR" dirty="0"/>
           </a:p>
         </p:txBody>
       </p:sp>
@@ -2030,7 +2028,7 @@
           <a:bodyPr/>
           <a:lstStyle/>
           <a:p>
-            <a:endParaRPr lang="pt-BR"/>
+            <a:endParaRPr lang="pt-BR" dirty="0"/>
           </a:p>
         </p:txBody>
       </p:sp>
@@ -2059,7 +2057,7 @@
               <a:rPr lang="pt-BR" smtClean="0"/>
               <a:t>‹nº›</a:t>
             </a:fld>
-            <a:endParaRPr lang="pt-BR"/>
+            <a:endParaRPr lang="pt-BR" dirty="0"/>
           </a:p>
         </p:txBody>
       </p:sp>
@@ -2116,9 +2114,9 @@
           <a:p>
             <a:fld id="{A13F4FCF-11A6-4574-B39A-7F4B241CA0C1}" type="datetimeFigureOut">
               <a:rPr lang="pt-BR" smtClean="0"/>
-              <a:t>13/10/2022</a:t>
+              <a:t>14/10/2022</a:t>
             </a:fld>
-            <a:endParaRPr lang="pt-BR"/>
+            <a:endParaRPr lang="pt-BR" dirty="0"/>
           </a:p>
         </p:txBody>
       </p:sp>
@@ -2143,7 +2141,7 @@
           <a:bodyPr/>
           <a:lstStyle/>
           <a:p>
-            <a:endParaRPr lang="pt-BR"/>
+            <a:endParaRPr lang="pt-BR" dirty="0"/>
           </a:p>
         </p:txBody>
       </p:sp>
@@ -2172,7 +2170,7 @@
               <a:rPr lang="pt-BR" smtClean="0"/>
               <a:t>‹nº›</a:t>
             </a:fld>
-            <a:endParaRPr lang="pt-BR"/>
+            <a:endParaRPr lang="pt-BR" dirty="0"/>
           </a:p>
         </p:txBody>
       </p:sp>
@@ -2427,9 +2425,9 @@
           <a:p>
             <a:fld id="{A13F4FCF-11A6-4574-B39A-7F4B241CA0C1}" type="datetimeFigureOut">
               <a:rPr lang="pt-BR" smtClean="0"/>
-              <a:t>13/10/2022</a:t>
+              <a:t>14/10/2022</a:t>
             </a:fld>
-            <a:endParaRPr lang="pt-BR"/>
+            <a:endParaRPr lang="pt-BR" dirty="0"/>
           </a:p>
         </p:txBody>
       </p:sp>
@@ -2454,7 +2452,7 @@
           <a:bodyPr/>
           <a:lstStyle/>
           <a:p>
-            <a:endParaRPr lang="pt-BR"/>
+            <a:endParaRPr lang="pt-BR" dirty="0"/>
           </a:p>
         </p:txBody>
       </p:sp>
@@ -2483,7 +2481,7 @@
               <a:rPr lang="pt-BR" smtClean="0"/>
               <a:t>‹nº›</a:t>
             </a:fld>
-            <a:endParaRPr lang="pt-BR"/>
+            <a:endParaRPr lang="pt-BR" dirty="0"/>
           </a:p>
         </p:txBody>
       </p:sp>
@@ -2617,7 +2615,7 @@
             </a:lvl9pPr>
           </a:lstStyle>
           <a:p>
-            <a:endParaRPr lang="pt-BR"/>
+            <a:endParaRPr lang="pt-BR" dirty="0"/>
           </a:p>
         </p:txBody>
       </p:sp>
@@ -2715,9 +2713,9 @@
           <a:p>
             <a:fld id="{A13F4FCF-11A6-4574-B39A-7F4B241CA0C1}" type="datetimeFigureOut">
               <a:rPr lang="pt-BR" smtClean="0"/>
-              <a:t>13/10/2022</a:t>
+              <a:t>14/10/2022</a:t>
             </a:fld>
-            <a:endParaRPr lang="pt-BR"/>
+            <a:endParaRPr lang="pt-BR" dirty="0"/>
           </a:p>
         </p:txBody>
       </p:sp>
@@ -2742,7 +2740,7 @@
           <a:bodyPr/>
           <a:lstStyle/>
           <a:p>
-            <a:endParaRPr lang="pt-BR"/>
+            <a:endParaRPr lang="pt-BR" dirty="0"/>
           </a:p>
         </p:txBody>
       </p:sp>
@@ -2771,7 +2769,7 @@
               <a:rPr lang="pt-BR" smtClean="0"/>
               <a:t>‹nº›</a:t>
             </a:fld>
-            <a:endParaRPr lang="pt-BR"/>
+            <a:endParaRPr lang="pt-BR" dirty="0"/>
           </a:p>
         </p:txBody>
       </p:sp>
@@ -2956,9 +2954,9 @@
           <a:p>
             <a:fld id="{A13F4FCF-11A6-4574-B39A-7F4B241CA0C1}" type="datetimeFigureOut">
               <a:rPr lang="pt-BR" smtClean="0"/>
-              <a:t>13/10/2022</a:t>
+              <a:t>14/10/2022</a:t>
             </a:fld>
-            <a:endParaRPr lang="pt-BR"/>
+            <a:endParaRPr lang="pt-BR" dirty="0"/>
           </a:p>
         </p:txBody>
       </p:sp>
@@ -3001,7 +2999,7 @@
             </a:lvl1pPr>
           </a:lstStyle>
           <a:p>
-            <a:endParaRPr lang="pt-BR"/>
+            <a:endParaRPr lang="pt-BR" dirty="0"/>
           </a:p>
         </p:txBody>
       </p:sp>
@@ -3048,7 +3046,7 @@
               <a:rPr lang="pt-BR" smtClean="0"/>
               <a:t>‹nº›</a:t>
             </a:fld>
-            <a:endParaRPr lang="pt-BR"/>
+            <a:endParaRPr lang="pt-BR" dirty="0"/>
           </a:p>
         </p:txBody>
       </p:sp>
@@ -3507,7 +3505,7 @@
           <a:p>
             <a:r>
               <a:rPr lang="pt-BR" dirty="0"/>
-              <a:t>Sobre a rede construída</a:t>
+              <a:t>Sobre a rede desenvolvida - introdução</a:t>
             </a:r>
           </a:p>
         </p:txBody>
@@ -3547,49 +3545,79 @@
             <a:pPr lvl="1"/>
             <a:r>
               <a:rPr lang="pt-BR" dirty="0"/>
-              <a:t>Conjunto de camadas interconectadas compostas por vários </a:t>
-            </a:r>
+              <a:t>Apresenta:</a:t>
+            </a:r>
+          </a:p>
+          <a:p>
+            <a:pPr lvl="2"/>
             <a:r>
               <a:rPr lang="pt-BR" b="1" dirty="0"/>
-              <a:t>neurônios artificiais</a:t>
-            </a:r>
+              <a:t>Camadas de convolução: </a:t>
+            </a:r>
+            <a:r>
+              <a:rPr lang="pt-BR" dirty="0"/>
+              <a:t>realçar detalhes/características</a:t>
+            </a:r>
+          </a:p>
+          <a:p>
+            <a:pPr lvl="2"/>
+            <a:r>
+              <a:rPr lang="pt-BR" b="1" dirty="0"/>
+              <a:t>Camadas de pooling: </a:t>
+            </a:r>
+            <a:r>
+              <a:rPr lang="pt-BR" dirty="0"/>
+              <a:t>reduzir imagem sem perder detalhes cruciais</a:t>
+            </a:r>
+          </a:p>
+          <a:p>
+            <a:pPr lvl="2"/>
+            <a:r>
+              <a:rPr lang="pt-BR" b="1" dirty="0"/>
+              <a:t>Camadas densas de neurônios: </a:t>
+            </a:r>
+            <a:r>
+              <a:rPr lang="pt-BR" dirty="0"/>
+              <a:t>ajustam a rede de acordo com os dados</a:t>
+            </a:r>
+          </a:p>
+          <a:p>
+            <a:pPr lvl="2"/>
+            <a:endParaRPr lang="pt-BR" sz="1000" dirty="0"/>
           </a:p>
           <a:p>
             <a:pPr lvl="1"/>
             <a:r>
               <a:rPr lang="pt-BR" dirty="0"/>
-              <a:t>Possui camadas para realçar detalhes dos dados recebidos</a:t>
-            </a:r>
-          </a:p>
-          <a:p>
-            <a:pPr lvl="1"/>
+              <a:t>Exemplos famosos:</a:t>
+            </a:r>
+          </a:p>
+          <a:p>
+            <a:pPr lvl="2"/>
             <a:r>
               <a:rPr lang="pt-BR" dirty="0"/>
-              <a:t>Possibilitam o computador a </a:t>
-            </a:r>
+              <a:t>LeNet</a:t>
+            </a:r>
+          </a:p>
+          <a:p>
+            <a:pPr lvl="2"/>
+            <a:r>
+              <a:rPr lang="pt-BR" dirty="0"/>
+              <a:t>ResNet</a:t>
+            </a:r>
+          </a:p>
+          <a:p>
+            <a:pPr lvl="2"/>
+            <a:r>
+              <a:rPr lang="pt-BR" dirty="0"/>
+              <a:t>AlexNet</a:t>
+            </a:r>
+          </a:p>
+          <a:p>
+            <a:pPr lvl="2"/>
             <a:r>
               <a:rPr lang="pt-BR" b="1" dirty="0"/>
-              <a:t>reconhecer padrões </a:t>
-            </a:r>
-            <a:r>
-              <a:rPr lang="pt-BR" dirty="0"/>
-              <a:t>e </a:t>
-            </a:r>
-            <a:r>
-              <a:rPr lang="pt-BR" b="1" dirty="0"/>
-              <a:t>tomar</a:t>
-            </a:r>
-            <a:r>
-              <a:rPr lang="pt-BR" dirty="0"/>
-              <a:t> </a:t>
-            </a:r>
-            <a:r>
-              <a:rPr lang="pt-BR" b="1" dirty="0"/>
-              <a:t>decisões inteligentes </a:t>
-            </a:r>
-            <a:r>
-              <a:rPr lang="pt-BR" dirty="0"/>
-              <a:t>(deduções precisas)</a:t>
+              <a:t>VGGNet</a:t>
             </a:r>
           </a:p>
           <a:p>
@@ -3607,7 +3635,7 @@
     </p:spTree>
     <p:extLst>
       <p:ext uri="{BB962C8B-B14F-4D97-AF65-F5344CB8AC3E}">
-        <p14:creationId xmlns:p14="http://schemas.microsoft.com/office/powerpoint/2010/main" val="1745481332"/>
+        <p14:creationId xmlns:p14="http://schemas.microsoft.com/office/powerpoint/2010/main" val="3594115775"/>
       </p:ext>
     </p:extLst>
   </p:cSld>
@@ -3657,7 +3685,7 @@
           <a:p>
             <a:r>
               <a:rPr lang="pt-BR" dirty="0"/>
-              <a:t>Sobre a rede desenvolvida - introdução</a:t>
+              <a:t>Rede VGGNet – VGG-16</a:t>
             </a:r>
           </a:p>
         </p:txBody>
@@ -3680,124 +3708,55 @@
         </p:nvSpPr>
         <p:spPr/>
         <p:txBody>
-          <a:bodyPr>
-            <a:normAutofit/>
-          </a:bodyPr>
+          <a:bodyPr/>
           <a:lstStyle/>
           <a:p>
-            <a:pPr marL="0" indent="0">
-              <a:buNone/>
-            </a:pPr>
             <a:r>
               <a:rPr lang="pt-BR" dirty="0"/>
-              <a:t>Rede Neural Convolucional: </a:t>
+              <a:t>É um tipo de Rede Neural Convolucional (CNN)</a:t>
+            </a:r>
+          </a:p>
+          <a:p>
+            <a:endParaRPr lang="pt-BR" dirty="0"/>
+          </a:p>
+          <a:p>
+            <a:r>
+              <a:rPr lang="pt-BR" dirty="0"/>
+              <a:t>Famoso por utilizar combinação de filtros 3x3 (pequenos) para conv.</a:t>
             </a:r>
           </a:p>
           <a:p>
             <a:pPr lvl="1"/>
             <a:r>
               <a:rPr lang="pt-BR" dirty="0"/>
-              <a:t>Apresenta:</a:t>
-            </a:r>
-          </a:p>
-          <a:p>
-            <a:pPr lvl="2"/>
-            <a:r>
-              <a:rPr lang="pt-BR" b="1" dirty="0"/>
-              <a:t>Camadas de convolução: </a:t>
-            </a:r>
-            <a:r>
-              <a:rPr lang="pt-BR" dirty="0"/>
-              <a:t>realçar detalhes</a:t>
-            </a:r>
-          </a:p>
-          <a:p>
-            <a:pPr lvl="2"/>
-            <a:r>
-              <a:rPr lang="pt-BR" b="1" dirty="0"/>
-              <a:t>Camadas de </a:t>
-            </a:r>
-            <a:r>
-              <a:rPr lang="pt-BR" b="1" dirty="0" err="1"/>
-              <a:t>pooling</a:t>
-            </a:r>
-            <a:r>
-              <a:rPr lang="pt-BR" b="1" dirty="0"/>
-              <a:t>: </a:t>
-            </a:r>
-            <a:r>
-              <a:rPr lang="pt-BR" dirty="0"/>
-              <a:t>reduzir imagem</a:t>
-            </a:r>
-          </a:p>
-          <a:p>
-            <a:pPr lvl="2"/>
-            <a:r>
-              <a:rPr lang="pt-BR" b="1" dirty="0"/>
-              <a:t>Camadas densas de neurônios: </a:t>
-            </a:r>
-            <a:r>
-              <a:rPr lang="pt-BR" dirty="0"/>
-              <a:t>ajustam a rede de acordo com os dados</a:t>
-            </a:r>
-          </a:p>
-          <a:p>
-            <a:pPr lvl="2"/>
-            <a:endParaRPr lang="pt-BR" sz="1000" dirty="0"/>
-          </a:p>
-          <a:p>
-            <a:pPr lvl="1"/>
-            <a:r>
-              <a:rPr lang="pt-BR" dirty="0"/>
-              <a:t>Exemplos famosos:</a:t>
-            </a:r>
-          </a:p>
-          <a:p>
-            <a:pPr lvl="2"/>
-            <a:r>
-              <a:rPr lang="pt-BR" dirty="0"/>
-              <a:t>LeNet-5</a:t>
-            </a:r>
-          </a:p>
-          <a:p>
-            <a:pPr lvl="2"/>
-            <a:r>
-              <a:rPr lang="pt-BR" dirty="0" err="1"/>
-              <a:t>ResNet</a:t>
-            </a:r>
-            <a:endParaRPr lang="pt-BR" dirty="0"/>
-          </a:p>
-          <a:p>
-            <a:pPr lvl="2"/>
-            <a:r>
-              <a:rPr lang="pt-BR" dirty="0" err="1"/>
-              <a:t>AlexNet</a:t>
-            </a:r>
-            <a:endParaRPr lang="pt-BR" dirty="0"/>
-          </a:p>
-          <a:p>
-            <a:pPr lvl="2"/>
-            <a:r>
-              <a:rPr lang="pt-BR" b="1" dirty="0"/>
-              <a:t>VGG-16</a:t>
-            </a:r>
-          </a:p>
-          <a:p>
-            <a:pPr marL="457200" lvl="1" indent="0">
-              <a:buNone/>
-            </a:pPr>
-            <a:endParaRPr lang="pt-BR" sz="1200" dirty="0"/>
+              <a:t>Redes concorrentes utilizam 7x7, 11x11</a:t>
+            </a:r>
           </a:p>
           <a:p>
             <a:pPr lvl="1"/>
             <a:endParaRPr lang="pt-BR" dirty="0"/>
+          </a:p>
+          <a:p>
+            <a:r>
+              <a:rPr lang="pt-BR" dirty="0"/>
+              <a:t>Faz pooling com filtros 2x2</a:t>
+            </a:r>
+          </a:p>
+          <a:p>
+            <a:endParaRPr lang="pt-BR" dirty="0"/>
+          </a:p>
+          <a:p>
+            <a:r>
+              <a:rPr lang="pt-BR" dirty="0"/>
+              <a:t>Foi feito o transfer learning de uma VGG-16 pré treinada para a rede construída</a:t>
+            </a:r>
           </a:p>
         </p:txBody>
       </p:sp>
     </p:spTree>
     <p:extLst>
       <p:ext uri="{BB962C8B-B14F-4D97-AF65-F5344CB8AC3E}">
-        <p14:creationId xmlns:p14="http://schemas.microsoft.com/office/powerpoint/2010/main" val="3594115775"/>
+        <p14:creationId xmlns:p14="http://schemas.microsoft.com/office/powerpoint/2010/main" val="2799525735"/>
       </p:ext>
     </p:extLst>
   </p:cSld>
@@ -3840,14 +3799,21 @@
             <p:ph type="title"/>
           </p:nvPr>
         </p:nvSpPr>
-        <p:spPr/>
+        <p:spPr>
+          <a:xfrm>
+            <a:off x="838200" y="365125"/>
+            <a:ext cx="10515600" cy="1325563"/>
+          </a:xfrm>
+        </p:spPr>
         <p:txBody>
-          <a:bodyPr/>
+          <a:bodyPr>
+            <a:normAutofit/>
+          </a:bodyPr>
           <a:lstStyle/>
           <a:p>
             <a:r>
-              <a:rPr lang="pt-BR" dirty="0"/>
-              <a:t>Rede VGG-16</a:t>
+              <a:rPr lang="pt-BR" sz="3600" dirty="0"/>
+              <a:t>Sobre a rede desenvolvida – arquitetura simplificada</a:t>
             </a:r>
           </a:p>
         </p:txBody>
@@ -3870,65 +3836,78 @@
         </p:nvSpPr>
         <p:spPr/>
         <p:txBody>
-          <a:bodyPr/>
+          <a:bodyPr>
+            <a:normAutofit/>
+          </a:bodyPr>
           <a:lstStyle/>
           <a:p>
+            <a:pPr marL="0" indent="0">
+              <a:buNone/>
+            </a:pPr>
             <a:r>
               <a:rPr lang="pt-BR" dirty="0"/>
-              <a:t>É um tipo de Rede Neural Convolucional (CNN)</a:t>
-            </a:r>
-          </a:p>
-          <a:p>
+              <a:t>Camadas que compõem a rede:</a:t>
+            </a:r>
+          </a:p>
+          <a:p>
+            <a:pPr lvl="1"/>
+            <a:r>
+              <a:rPr lang="pt-BR" dirty="0"/>
+              <a:t>Camadas de entrada – pré processamento (rescale e data augmentation)</a:t>
+            </a:r>
+          </a:p>
+          <a:p>
+            <a:pPr lvl="1"/>
+            <a:r>
+              <a:rPr lang="pt-BR" dirty="0"/>
+              <a:t>Camadas da VGG pré treinada (diversas camadas de convolução e pooling pré estruturadas e treinadas – </a:t>
+            </a:r>
+            <a:r>
+              <a:rPr lang="pt-BR" i="1" dirty="0"/>
+              <a:t>transfer learning</a:t>
+            </a:r>
+            <a:r>
+              <a:rPr lang="pt-BR" dirty="0"/>
+              <a:t>)</a:t>
+            </a:r>
+          </a:p>
+          <a:p>
+            <a:pPr lvl="1"/>
+            <a:r>
+              <a:rPr lang="pt-BR" dirty="0"/>
+              <a:t>Camada Flatten</a:t>
+            </a:r>
+          </a:p>
+          <a:p>
+            <a:pPr lvl="1"/>
+            <a:r>
+              <a:rPr lang="pt-BR" dirty="0"/>
+              <a:t>Camadas densas de neurônios</a:t>
+            </a:r>
+          </a:p>
+          <a:p>
+            <a:pPr lvl="1"/>
+            <a:r>
+              <a:rPr lang="pt-BR" dirty="0"/>
+              <a:t>Camada de saída</a:t>
+            </a:r>
+          </a:p>
+          <a:p>
+            <a:pPr marL="914400" lvl="2" indent="0">
+              <a:buNone/>
+            </a:pPr>
+            <a:endParaRPr lang="pt-BR" sz="1000" dirty="0"/>
+          </a:p>
+          <a:p>
+            <a:pPr lvl="1"/>
             <a:endParaRPr lang="pt-BR" dirty="0"/>
-          </a:p>
-          <a:p>
-            <a:r>
-              <a:rPr lang="pt-BR" dirty="0"/>
-              <a:t>Famoso por utilizar uniformemente combinação de filtros 3x3 (pequenos)</a:t>
-            </a:r>
-          </a:p>
-          <a:p>
-            <a:pPr lvl="1"/>
-            <a:r>
-              <a:rPr lang="pt-BR" dirty="0"/>
-              <a:t>Redes concorrentes utilizam 7x7, 11x11</a:t>
-            </a:r>
-          </a:p>
-          <a:p>
-            <a:endParaRPr lang="pt-BR" dirty="0"/>
-          </a:p>
-          <a:p>
-            <a:r>
-              <a:rPr lang="pt-BR" dirty="0" err="1"/>
-              <a:t>Transfer</a:t>
-            </a:r>
-            <a:r>
-              <a:rPr lang="pt-BR" dirty="0"/>
-              <a:t> </a:t>
-            </a:r>
-            <a:r>
-              <a:rPr lang="pt-BR" dirty="0" err="1"/>
-              <a:t>learning</a:t>
-            </a:r>
-            <a:r>
-              <a:rPr lang="pt-BR" dirty="0"/>
-              <a:t> de uma VGG-16 </a:t>
-            </a:r>
-            <a:r>
-              <a:rPr lang="pt-BR" dirty="0" err="1"/>
-              <a:t>pré</a:t>
-            </a:r>
-            <a:r>
-              <a:rPr lang="pt-BR" dirty="0"/>
-              <a:t>-treinada para a rede construída</a:t>
-            </a:r>
           </a:p>
         </p:txBody>
       </p:sp>
     </p:spTree>
     <p:extLst>
       <p:ext uri="{BB962C8B-B14F-4D97-AF65-F5344CB8AC3E}">
-        <p14:creationId xmlns:p14="http://schemas.microsoft.com/office/powerpoint/2010/main" val="2799525735"/>
+        <p14:creationId xmlns:p14="http://schemas.microsoft.com/office/powerpoint/2010/main" val="522236478"/>
       </p:ext>
     </p:extLst>
   </p:cSld>
@@ -3971,277 +3950,6 @@
             <p:ph type="title"/>
           </p:nvPr>
         </p:nvSpPr>
-        <p:spPr>
-          <a:xfrm>
-            <a:off x="838200" y="365125"/>
-            <a:ext cx="10515600" cy="1325563"/>
-          </a:xfrm>
-        </p:spPr>
-        <p:txBody>
-          <a:bodyPr>
-            <a:normAutofit/>
-          </a:bodyPr>
-          <a:lstStyle/>
-          <a:p>
-            <a:r>
-              <a:rPr lang="pt-BR" sz="3600" dirty="0"/>
-              <a:t>Sobre a rede desenvolvida – arquitetura simplificada</a:t>
-            </a:r>
-          </a:p>
-        </p:txBody>
-      </p:sp>
-      <p:sp>
-        <p:nvSpPr>
-          <p:cNvPr id="3" name="Espaço Reservado para Conteúdo 2">
-            <a:extLst>
-              <a:ext uri="{FF2B5EF4-FFF2-40B4-BE49-F238E27FC236}">
-                <a16:creationId xmlns:a16="http://schemas.microsoft.com/office/drawing/2014/main" id="{480BDFB0-3F77-4040-B02F-48081BC0E520}"/>
-              </a:ext>
-            </a:extLst>
-          </p:cNvPr>
-          <p:cNvSpPr>
-            <a:spLocks noGrp="1"/>
-          </p:cNvSpPr>
-          <p:nvPr>
-            <p:ph idx="1"/>
-          </p:nvPr>
-        </p:nvSpPr>
-        <p:spPr/>
-        <p:txBody>
-          <a:bodyPr>
-            <a:normAutofit/>
-          </a:bodyPr>
-          <a:lstStyle/>
-          <a:p>
-            <a:pPr marL="0" indent="0">
-              <a:buNone/>
-            </a:pPr>
-            <a:r>
-              <a:rPr lang="pt-BR" dirty="0"/>
-              <a:t>Camadas que compõem a rede:</a:t>
-            </a:r>
-          </a:p>
-          <a:p>
-            <a:pPr lvl="1"/>
-            <a:r>
-              <a:rPr lang="pt-BR" dirty="0"/>
-              <a:t>Camadas de pré processamento (data </a:t>
-            </a:r>
-            <a:r>
-              <a:rPr lang="pt-BR" dirty="0" err="1"/>
-              <a:t>augmentation</a:t>
-            </a:r>
-            <a:r>
-              <a:rPr lang="pt-BR" dirty="0"/>
-              <a:t>)</a:t>
-            </a:r>
-          </a:p>
-          <a:p>
-            <a:pPr lvl="1"/>
-            <a:r>
-              <a:rPr lang="pt-BR" dirty="0"/>
-              <a:t>Camadas da VGG pré treinadas (diversas camadas de convolução e </a:t>
-            </a:r>
-            <a:r>
-              <a:rPr lang="pt-BR" dirty="0" err="1"/>
-              <a:t>pooling</a:t>
-            </a:r>
-            <a:r>
-              <a:rPr lang="pt-BR" dirty="0"/>
-              <a:t> pré estruturadas e treinadas – </a:t>
-            </a:r>
-            <a:r>
-              <a:rPr lang="pt-BR" i="1" dirty="0" err="1"/>
-              <a:t>transfer</a:t>
-            </a:r>
-            <a:r>
-              <a:rPr lang="pt-BR" i="1" dirty="0"/>
-              <a:t> </a:t>
-            </a:r>
-            <a:r>
-              <a:rPr lang="pt-BR" i="1" dirty="0" err="1"/>
-              <a:t>learning</a:t>
-            </a:r>
-            <a:r>
-              <a:rPr lang="pt-BR" dirty="0"/>
-              <a:t>)</a:t>
-            </a:r>
-          </a:p>
-          <a:p>
-            <a:pPr lvl="1"/>
-            <a:r>
-              <a:rPr lang="pt-BR" dirty="0"/>
-              <a:t>Camada </a:t>
-            </a:r>
-            <a:r>
-              <a:rPr lang="pt-BR" dirty="0" err="1"/>
-              <a:t>Flatten</a:t>
-            </a:r>
-            <a:endParaRPr lang="pt-BR" dirty="0"/>
-          </a:p>
-          <a:p>
-            <a:pPr lvl="1"/>
-            <a:r>
-              <a:rPr lang="pt-BR" dirty="0"/>
-              <a:t>Camadas densas de neurônios</a:t>
-            </a:r>
-          </a:p>
-          <a:p>
-            <a:pPr lvl="1"/>
-            <a:r>
-              <a:rPr lang="pt-BR" dirty="0"/>
-              <a:t>Camada de saída</a:t>
-            </a:r>
-          </a:p>
-          <a:p>
-            <a:pPr marL="914400" lvl="2" indent="0">
-              <a:buNone/>
-            </a:pPr>
-            <a:endParaRPr lang="pt-BR" sz="1000" dirty="0"/>
-          </a:p>
-          <a:p>
-            <a:pPr lvl="1"/>
-            <a:endParaRPr lang="pt-BR" dirty="0"/>
-          </a:p>
-        </p:txBody>
-      </p:sp>
-    </p:spTree>
-    <p:extLst>
-      <p:ext uri="{BB962C8B-B14F-4D97-AF65-F5344CB8AC3E}">
-        <p14:creationId xmlns:p14="http://schemas.microsoft.com/office/powerpoint/2010/main" val="522236478"/>
-      </p:ext>
-    </p:extLst>
-  </p:cSld>
-  <p:clrMapOvr>
-    <a:masterClrMapping/>
-  </p:clrMapOvr>
-</p:sld>
-</file>
-
-<file path=ppt/slides/slide14.xml><?xml version="1.0" encoding="utf-8"?>
-<p:sld xmlns:a="http://schemas.openxmlformats.org/drawingml/2006/main" xmlns:r="http://schemas.openxmlformats.org/officeDocument/2006/relationships" xmlns:p="http://schemas.openxmlformats.org/presentationml/2006/main">
-  <p:cSld>
-    <p:spTree>
-      <p:nvGrpSpPr>
-        <p:cNvPr id="1" name=""/>
-        <p:cNvGrpSpPr/>
-        <p:nvPr/>
-      </p:nvGrpSpPr>
-      <p:grpSpPr>
-        <a:xfrm>
-          <a:off x="0" y="0"/>
-          <a:ext cx="0" cy="0"/>
-          <a:chOff x="0" y="0"/>
-          <a:chExt cx="0" cy="0"/>
-        </a:xfrm>
-      </p:grpSpPr>
-      <p:sp>
-        <p:nvSpPr>
-          <p:cNvPr id="2" name="Título 1">
-            <a:extLst>
-              <a:ext uri="{FF2B5EF4-FFF2-40B4-BE49-F238E27FC236}">
-                <a16:creationId xmlns:a16="http://schemas.microsoft.com/office/drawing/2014/main" id="{7CF8DE70-FEF7-4357-BEF2-8B9F283BD640}"/>
-              </a:ext>
-            </a:extLst>
-          </p:cNvPr>
-          <p:cNvSpPr>
-            <a:spLocks noGrp="1"/>
-          </p:cNvSpPr>
-          <p:nvPr>
-            <p:ph type="title"/>
-          </p:nvPr>
-        </p:nvSpPr>
-        <p:spPr/>
-        <p:txBody>
-          <a:bodyPr>
-            <a:normAutofit/>
-          </a:bodyPr>
-          <a:lstStyle/>
-          <a:p>
-            <a:r>
-              <a:rPr lang="pt-BR" sz="3600" dirty="0"/>
-              <a:t>Sobre a rede desenvolvida – arquitetura final</a:t>
-            </a:r>
-          </a:p>
-        </p:txBody>
-      </p:sp>
-      <p:sp>
-        <p:nvSpPr>
-          <p:cNvPr id="3" name="Espaço Reservado para Conteúdo 2">
-            <a:extLst>
-              <a:ext uri="{FF2B5EF4-FFF2-40B4-BE49-F238E27FC236}">
-                <a16:creationId xmlns:a16="http://schemas.microsoft.com/office/drawing/2014/main" id="{480BDFB0-3F77-4040-B02F-48081BC0E520}"/>
-              </a:ext>
-            </a:extLst>
-          </p:cNvPr>
-          <p:cNvSpPr>
-            <a:spLocks noGrp="1"/>
-          </p:cNvSpPr>
-          <p:nvPr>
-            <p:ph idx="1"/>
-          </p:nvPr>
-        </p:nvSpPr>
-        <p:spPr/>
-        <p:txBody>
-          <a:bodyPr/>
-          <a:lstStyle/>
-          <a:p>
-            <a:r>
-              <a:rPr lang="pt-BR" dirty="0"/>
-              <a:t>Imagem</a:t>
-            </a:r>
-          </a:p>
-          <a:p>
-            <a:endParaRPr lang="pt-BR" dirty="0"/>
-          </a:p>
-        </p:txBody>
-      </p:sp>
-    </p:spTree>
-    <p:extLst>
-      <p:ext uri="{BB962C8B-B14F-4D97-AF65-F5344CB8AC3E}">
-        <p14:creationId xmlns:p14="http://schemas.microsoft.com/office/powerpoint/2010/main" val="4002728927"/>
-      </p:ext>
-    </p:extLst>
-  </p:cSld>
-  <p:clrMapOvr>
-    <a:masterClrMapping/>
-  </p:clrMapOvr>
-</p:sld>
-</file>
-
-<file path=ppt/slides/slide15.xml><?xml version="1.0" encoding="utf-8"?>
-<p:sld xmlns:a="http://schemas.openxmlformats.org/drawingml/2006/main" xmlns:r="http://schemas.openxmlformats.org/officeDocument/2006/relationships" xmlns:p="http://schemas.openxmlformats.org/presentationml/2006/main">
-  <p:cSld>
-    <p:spTree>
-      <p:nvGrpSpPr>
-        <p:cNvPr id="1" name=""/>
-        <p:cNvGrpSpPr/>
-        <p:nvPr/>
-      </p:nvGrpSpPr>
-      <p:grpSpPr>
-        <a:xfrm>
-          <a:off x="0" y="0"/>
-          <a:ext cx="0" cy="0"/>
-          <a:chOff x="0" y="0"/>
-          <a:chExt cx="0" cy="0"/>
-        </a:xfrm>
-      </p:grpSpPr>
-      <p:sp>
-        <p:nvSpPr>
-          <p:cNvPr id="2" name="Título 1">
-            <a:extLst>
-              <a:ext uri="{FF2B5EF4-FFF2-40B4-BE49-F238E27FC236}">
-                <a16:creationId xmlns:a16="http://schemas.microsoft.com/office/drawing/2014/main" id="{7CF8DE70-FEF7-4357-BEF2-8B9F283BD640}"/>
-              </a:ext>
-            </a:extLst>
-          </p:cNvPr>
-          <p:cNvSpPr>
-            <a:spLocks noGrp="1"/>
-          </p:cNvSpPr>
-          <p:nvPr>
-            <p:ph type="title"/>
-          </p:nvPr>
-        </p:nvSpPr>
         <p:spPr/>
         <p:txBody>
           <a:bodyPr/>
@@ -4270,7 +3978,7 @@
             <p:ph idx="1"/>
             <p:extLst>
               <p:ext uri="{D42A27DB-BD31-4B8C-83A1-F6EECF244321}">
-                <p14:modId xmlns:p14="http://schemas.microsoft.com/office/powerpoint/2010/main" val="2883944982"/>
+                <p14:modId xmlns:p14="http://schemas.microsoft.com/office/powerpoint/2010/main" val="3734274067"/>
               </p:ext>
             </p:extLst>
           </p:nvPr>
@@ -4352,12 +4060,12 @@
                         </a:spcAft>
                       </a:pPr>
                       <a:r>
-                        <a:rPr lang="pt-BR" sz="1800">
+                        <a:rPr lang="pt-BR" sz="1800" dirty="0">
                           <a:effectLst/>
                         </a:rPr>
                         <a:t>Dados de treino</a:t>
                       </a:r>
-                      <a:endParaRPr lang="pt-BR" sz="1600">
+                      <a:endParaRPr lang="pt-BR" sz="1600" dirty="0">
                         <a:effectLst/>
                         <a:latin typeface="Calibri" panose="020F0502020204030204" pitchFamily="34" charset="0"/>
                         <a:ea typeface="Calibri" panose="020F0502020204030204" pitchFamily="34" charset="0"/>
@@ -4381,12 +4089,12 @@
                         </a:spcAft>
                       </a:pPr>
                       <a:r>
-                        <a:rPr lang="pt-BR" sz="1800">
+                        <a:rPr lang="pt-BR" sz="1800" dirty="0">
                           <a:effectLst/>
                         </a:rPr>
                         <a:t>Dados de validação</a:t>
                       </a:r>
-                      <a:endParaRPr lang="pt-BR" sz="1600">
+                      <a:endParaRPr lang="pt-BR" sz="1600" dirty="0">
                         <a:effectLst/>
                         <a:latin typeface="Calibri" panose="020F0502020204030204" pitchFamily="34" charset="0"/>
                         <a:ea typeface="Calibri" panose="020F0502020204030204" pitchFamily="34" charset="0"/>
@@ -4417,7 +4125,7 @@
                         </a:spcAft>
                       </a:pPr>
                       <a:r>
-                        <a:rPr lang="pt-BR" sz="1800" dirty="0" err="1">
+                        <a:rPr lang="pt-BR" sz="1800" dirty="0">
                           <a:effectLst/>
                         </a:rPr>
                         <a:t>Loss</a:t>
@@ -4482,12 +4190,12 @@
                         </a:spcAft>
                       </a:pPr>
                       <a:r>
-                        <a:rPr lang="pt-BR" sz="1800">
+                        <a:rPr lang="pt-BR" sz="1800" dirty="0">
                           <a:effectLst/>
                         </a:rPr>
                         <a:t>0.1105</a:t>
                       </a:r>
-                      <a:endParaRPr lang="pt-BR" sz="1600">
+                      <a:endParaRPr lang="pt-BR" sz="1600" dirty="0">
                         <a:effectLst/>
                         <a:latin typeface="Calibri" panose="020F0502020204030204" pitchFamily="34" charset="0"/>
                         <a:ea typeface="Calibri" panose="020F0502020204030204" pitchFamily="34" charset="0"/>
@@ -4590,12 +4298,12 @@
                         </a:spcAft>
                       </a:pPr>
                       <a:r>
-                        <a:rPr lang="pt-BR" sz="1800">
+                        <a:rPr lang="pt-BR" sz="1800" dirty="0">
                           <a:effectLst/>
                         </a:rPr>
                         <a:t>53.0000</a:t>
                       </a:r>
-                      <a:endParaRPr lang="pt-BR" sz="1600">
+                      <a:endParaRPr lang="pt-BR" sz="1600" dirty="0">
                         <a:effectLst/>
                         <a:latin typeface="Calibri" panose="020F0502020204030204" pitchFamily="34" charset="0"/>
                         <a:ea typeface="Calibri" panose="020F0502020204030204" pitchFamily="34" charset="0"/>
@@ -4633,12 +4341,12 @@
                         </a:spcAft>
                       </a:pPr>
                       <a:r>
-                        <a:rPr lang="pt-BR" sz="1800">
+                        <a:rPr lang="pt-BR" sz="1800" dirty="0">
                           <a:effectLst/>
                         </a:rPr>
                         <a:t>FP (falso positivo)</a:t>
                       </a:r>
-                      <a:endParaRPr lang="pt-BR" sz="1600">
+                      <a:endParaRPr lang="pt-BR" sz="1600" dirty="0">
                         <a:effectLst/>
                         <a:latin typeface="Calibri" panose="020F0502020204030204" pitchFamily="34" charset="0"/>
                         <a:ea typeface="Calibri" panose="020F0502020204030204" pitchFamily="34" charset="0"/>
@@ -4741,12 +4449,12 @@
                         </a:spcAft>
                       </a:pPr>
                       <a:r>
-                        <a:rPr lang="pt-BR" sz="1800">
+                        <a:rPr lang="pt-BR" sz="1800" dirty="0">
                           <a:effectLst/>
                         </a:rPr>
                         <a:t>TN (verdadeiro negativo)</a:t>
                       </a:r>
-                      <a:endParaRPr lang="pt-BR" sz="1600">
+                      <a:endParaRPr lang="pt-BR" sz="1600" dirty="0">
                         <a:effectLst/>
                         <a:latin typeface="Calibri" panose="020F0502020204030204" pitchFamily="34" charset="0"/>
                         <a:ea typeface="Calibri" panose="020F0502020204030204" pitchFamily="34" charset="0"/>
@@ -4849,12 +4557,12 @@
                         </a:spcAft>
                       </a:pPr>
                       <a:r>
-                        <a:rPr lang="pt-BR" sz="1800">
+                        <a:rPr lang="pt-BR" sz="1800" dirty="0">
                           <a:effectLst/>
                         </a:rPr>
                         <a:t>FN (falso negativo)</a:t>
                       </a:r>
-                      <a:endParaRPr lang="pt-BR" sz="1600">
+                      <a:endParaRPr lang="pt-BR" sz="1600" dirty="0">
                         <a:effectLst/>
                         <a:latin typeface="Calibri" panose="020F0502020204030204" pitchFamily="34" charset="0"/>
                         <a:ea typeface="Calibri" panose="020F0502020204030204" pitchFamily="34" charset="0"/>
@@ -4957,12 +4665,12 @@
                         </a:spcAft>
                       </a:pPr>
                       <a:r>
-                        <a:rPr lang="pt-BR" sz="1800">
+                        <a:rPr lang="pt-BR" sz="1800" dirty="0">
                           <a:effectLst/>
                         </a:rPr>
                         <a:t>Acurácia</a:t>
                       </a:r>
-                      <a:endParaRPr lang="pt-BR" sz="1600">
+                      <a:endParaRPr lang="pt-BR" sz="1600" dirty="0">
                         <a:effectLst/>
                         <a:latin typeface="Calibri" panose="020F0502020204030204" pitchFamily="34" charset="0"/>
                         <a:ea typeface="Calibri" panose="020F0502020204030204" pitchFamily="34" charset="0"/>
@@ -5065,12 +4773,12 @@
                         </a:spcAft>
                       </a:pPr>
                       <a:r>
-                        <a:rPr lang="pt-BR" sz="1800">
+                        <a:rPr lang="pt-BR" sz="1800" dirty="0">
                           <a:effectLst/>
                         </a:rPr>
                         <a:t>Precisão</a:t>
                       </a:r>
-                      <a:endParaRPr lang="pt-BR" sz="1600">
+                      <a:endParaRPr lang="pt-BR" sz="1600" dirty="0">
                         <a:effectLst/>
                         <a:latin typeface="Calibri" panose="020F0502020204030204" pitchFamily="34" charset="0"/>
                         <a:ea typeface="Calibri" panose="020F0502020204030204" pitchFamily="34" charset="0"/>
@@ -5130,12 +4838,12 @@
                         </a:spcAft>
                       </a:pPr>
                       <a:r>
-                        <a:rPr lang="pt-BR" sz="1800">
+                        <a:rPr lang="pt-BR" sz="1800" dirty="0">
                           <a:effectLst/>
                         </a:rPr>
                         <a:t>0.9815</a:t>
                       </a:r>
-                      <a:endParaRPr lang="pt-BR" sz="1600">
+                      <a:endParaRPr lang="pt-BR" sz="1600" dirty="0">
                         <a:effectLst/>
                         <a:latin typeface="Calibri" panose="020F0502020204030204" pitchFamily="34" charset="0"/>
                         <a:ea typeface="Calibri" panose="020F0502020204030204" pitchFamily="34" charset="0"/>
@@ -5173,12 +4881,12 @@
                         </a:spcAft>
                       </a:pPr>
                       <a:r>
-                        <a:rPr lang="pt-BR" sz="1800">
+                        <a:rPr lang="pt-BR" sz="1800" dirty="0">
                           <a:effectLst/>
                         </a:rPr>
                         <a:t>Recall</a:t>
                       </a:r>
-                      <a:endParaRPr lang="pt-BR" sz="1600">
+                      <a:endParaRPr lang="pt-BR" sz="1600" dirty="0">
                         <a:effectLst/>
                         <a:latin typeface="Calibri" panose="020F0502020204030204" pitchFamily="34" charset="0"/>
                         <a:ea typeface="Calibri" panose="020F0502020204030204" pitchFamily="34" charset="0"/>
@@ -5281,12 +4989,12 @@
                         </a:spcAft>
                       </a:pPr>
                       <a:r>
-                        <a:rPr lang="pt-BR" sz="1800">
+                        <a:rPr lang="pt-BR" sz="1800" dirty="0">
                           <a:effectLst/>
                         </a:rPr>
                         <a:t>Área sob a curva ROC </a:t>
                       </a:r>
-                      <a:endParaRPr lang="pt-BR" sz="1600">
+                      <a:endParaRPr lang="pt-BR" sz="1600" dirty="0">
                         <a:effectLst/>
                         <a:latin typeface="Calibri" panose="020F0502020204030204" pitchFamily="34" charset="0"/>
                         <a:ea typeface="Calibri" panose="020F0502020204030204" pitchFamily="34" charset="0"/>
@@ -5389,12 +5097,12 @@
                         </a:spcAft>
                       </a:pPr>
                       <a:r>
-                        <a:rPr lang="pt-BR" sz="1800">
+                        <a:rPr lang="pt-BR" sz="1800" dirty="0">
                           <a:effectLst/>
                         </a:rPr>
                         <a:t>Taxa de falso negativo</a:t>
                       </a:r>
-                      <a:endParaRPr lang="pt-BR" sz="1600">
+                      <a:endParaRPr lang="pt-BR" sz="1600" dirty="0">
                         <a:effectLst/>
                         <a:latin typeface="Calibri" panose="020F0502020204030204" pitchFamily="34" charset="0"/>
                         <a:ea typeface="Calibri" panose="020F0502020204030204" pitchFamily="34" charset="0"/>
@@ -5497,12 +5205,12 @@
                         </a:spcAft>
                       </a:pPr>
                       <a:r>
-                        <a:rPr lang="pt-BR" sz="1800">
+                        <a:rPr lang="pt-BR" sz="1800" dirty="0">
                           <a:effectLst/>
                         </a:rPr>
                         <a:t>Taxa de falso positivo</a:t>
                       </a:r>
-                      <a:endParaRPr lang="pt-BR" sz="1600">
+                      <a:endParaRPr lang="pt-BR" sz="1600" dirty="0">
                         <a:effectLst/>
                         <a:latin typeface="Calibri" panose="020F0502020204030204" pitchFamily="34" charset="0"/>
                         <a:ea typeface="Calibri" panose="020F0502020204030204" pitchFamily="34" charset="0"/>
@@ -5607,7 +5315,7 @@
 </p:sld>
 </file>
 
-<file path=ppt/slides/slide16.xml><?xml version="1.0" encoding="utf-8"?>
+<file path=ppt/slides/slide14.xml><?xml version="1.0" encoding="utf-8"?>
 <p:sld xmlns:a="http://schemas.openxmlformats.org/drawingml/2006/main" xmlns:r="http://schemas.openxmlformats.org/officeDocument/2006/relationships" xmlns:p="http://schemas.openxmlformats.org/presentationml/2006/main">
   <p:cSld>
     <p:spTree>
@@ -5665,7 +5373,7 @@
 </p:sld>
 </file>
 
-<file path=ppt/slides/slide17.xml><?xml version="1.0" encoding="utf-8"?>
+<file path=ppt/slides/slide15.xml><?xml version="1.0" encoding="utf-8"?>
 <p:sld xmlns:a="http://schemas.openxmlformats.org/drawingml/2006/main" xmlns:r="http://schemas.openxmlformats.org/officeDocument/2006/relationships" xmlns:p="http://schemas.openxmlformats.org/presentationml/2006/main">
   <p:cSld>
     <p:spTree>
@@ -5726,7 +5434,7 @@
             <p:ph idx="1"/>
             <p:extLst>
               <p:ext uri="{D42A27DB-BD31-4B8C-83A1-F6EECF244321}">
-                <p14:modId xmlns:p14="http://schemas.microsoft.com/office/powerpoint/2010/main" val="4281606099"/>
+                <p14:modId xmlns:p14="http://schemas.microsoft.com/office/powerpoint/2010/main" val="1506941596"/>
               </p:ext>
             </p:extLst>
           </p:nvPr>
@@ -5973,7 +5681,7 @@
                     <a:lstStyle/>
                     <a:p>
                       <a:pPr algn="ctr"/>
-                      <a:endParaRPr lang="pt-BR" b="0"/>
+                      <a:endParaRPr lang="pt-BR" b="0" dirty="0"/>
                     </a:p>
                   </a:txBody>
                   <a:tcPr anchor="ctr">
@@ -5991,7 +5699,7 @@
                     <a:lstStyle/>
                     <a:p>
                       <a:pPr algn="ctr"/>
-                      <a:endParaRPr lang="pt-BR" b="0"/>
+                      <a:endParaRPr lang="pt-BR" b="0" dirty="0"/>
                     </a:p>
                   </a:txBody>
                   <a:tcPr anchor="ctr">
@@ -6009,7 +5717,7 @@
                     <a:lstStyle/>
                     <a:p>
                       <a:pPr algn="ctr"/>
-                      <a:endParaRPr lang="pt-BR"/>
+                      <a:endParaRPr lang="pt-BR" dirty="0"/>
                     </a:p>
                   </a:txBody>
                   <a:tcPr anchor="ctr">
@@ -6027,7 +5735,7 @@
                     <a:lstStyle/>
                     <a:p>
                       <a:pPr algn="ctr"/>
-                      <a:endParaRPr lang="pt-BR"/>
+                      <a:endParaRPr lang="pt-BR" dirty="0"/>
                     </a:p>
                   </a:txBody>
                   <a:tcPr anchor="ctr">
@@ -6045,7 +5753,7 @@
                     <a:lstStyle/>
                     <a:p>
                       <a:pPr algn="ctr"/>
-                      <a:endParaRPr lang="pt-BR"/>
+                      <a:endParaRPr lang="pt-BR" dirty="0"/>
                     </a:p>
                   </a:txBody>
                   <a:tcPr anchor="ctr">
@@ -6071,7 +5779,7 @@
                     <a:p>
                       <a:r>
                         <a:rPr lang="pt-BR" dirty="0"/>
-                        <a:t>Modelo preditivo para dados em formato de tabela</a:t>
+                        <a:t>Modelo preditivo para fatores de risco</a:t>
                       </a:r>
                     </a:p>
                   </a:txBody>
@@ -6168,7 +5876,7 @@
                     <a:lstStyle/>
                     <a:p>
                       <a:pPr algn="ctr"/>
-                      <a:endParaRPr lang="pt-BR"/>
+                      <a:endParaRPr lang="pt-BR" dirty="0"/>
                     </a:p>
                   </a:txBody>
                   <a:tcPr anchor="ctr">
@@ -6186,7 +5894,7 @@
                     <a:lstStyle/>
                     <a:p>
                       <a:pPr algn="ctr"/>
-                      <a:endParaRPr lang="pt-BR"/>
+                      <a:endParaRPr lang="pt-BR" dirty="0"/>
                     </a:p>
                   </a:txBody>
                   <a:tcPr anchor="ctr">
@@ -6204,7 +5912,7 @@
                     <a:lstStyle/>
                     <a:p>
                       <a:pPr algn="ctr"/>
-                      <a:endParaRPr lang="pt-BR"/>
+                      <a:endParaRPr lang="pt-BR" dirty="0"/>
                     </a:p>
                   </a:txBody>
                   <a:tcPr anchor="ctr">
@@ -6249,7 +5957,7 @@
                     <a:lstStyle/>
                     <a:p>
                       <a:pPr algn="ctr"/>
-                      <a:endParaRPr lang="pt-BR" b="0"/>
+                      <a:endParaRPr lang="pt-BR" b="0" dirty="0"/>
                     </a:p>
                   </a:txBody>
                   <a:tcPr anchor="ctr">
@@ -6345,7 +6053,7 @@
                     <a:lstStyle/>
                     <a:p>
                       <a:pPr algn="ctr"/>
-                      <a:endParaRPr lang="pt-BR"/>
+                      <a:endParaRPr lang="pt-BR" dirty="0"/>
                     </a:p>
                   </a:txBody>
                   <a:tcPr anchor="ctr">
@@ -6363,7 +6071,7 @@
                     <a:lstStyle/>
                     <a:p>
                       <a:pPr algn="ctr"/>
-                      <a:endParaRPr lang="pt-BR"/>
+                      <a:endParaRPr lang="pt-BR" dirty="0"/>
                     </a:p>
                   </a:txBody>
                   <a:tcPr anchor="ctr">
@@ -6389,7 +6097,7 @@
                     <a:p>
                       <a:r>
                         <a:rPr lang="pt-BR" dirty="0"/>
-                        <a:t>Implementação</a:t>
+                        <a:t>Finalização dos modelos</a:t>
                       </a:r>
                     </a:p>
                   </a:txBody>
@@ -6408,7 +6116,7 @@
                     <a:lstStyle/>
                     <a:p>
                       <a:pPr algn="ctr"/>
-                      <a:endParaRPr lang="pt-BR"/>
+                      <a:endParaRPr lang="pt-BR" dirty="0"/>
                     </a:p>
                   </a:txBody>
                   <a:tcPr anchor="ctr">
@@ -6426,7 +6134,7 @@
                     <a:lstStyle/>
                     <a:p>
                       <a:pPr algn="ctr"/>
-                      <a:endParaRPr lang="pt-BR"/>
+                      <a:endParaRPr lang="pt-BR" dirty="0"/>
                     </a:p>
                   </a:txBody>
                   <a:tcPr anchor="ctr">
@@ -6444,7 +6152,7 @@
                     <a:lstStyle/>
                     <a:p>
                       <a:pPr algn="ctr"/>
-                      <a:endParaRPr lang="pt-BR"/>
+                      <a:endParaRPr lang="pt-BR" dirty="0"/>
                     </a:p>
                   </a:txBody>
                   <a:tcPr anchor="ctr">
@@ -6519,7 +6227,7 @@
                     <a:lstStyle/>
                     <a:p>
                       <a:pPr algn="ctr"/>
-                      <a:endParaRPr lang="pt-BR" b="1"/>
+                      <a:endParaRPr lang="pt-BR" b="1" dirty="0"/>
                     </a:p>
                   </a:txBody>
                   <a:tcPr anchor="ctr">
@@ -6545,7 +6253,7 @@
                     <a:p>
                       <a:r>
                         <a:rPr lang="pt-BR" dirty="0"/>
-                        <a:t>Finalização e documentação</a:t>
+                        <a:t>Monografia</a:t>
                       </a:r>
                     </a:p>
                   </a:txBody>
@@ -6600,7 +6308,7 @@
                     <a:lstStyle/>
                     <a:p>
                       <a:pPr algn="ctr"/>
-                      <a:endParaRPr lang="pt-BR"/>
+                      <a:endParaRPr lang="pt-BR" dirty="0"/>
                     </a:p>
                   </a:txBody>
                   <a:tcPr anchor="ctr">
@@ -6726,7 +6434,7 @@
                     <a:lstStyle/>
                     <a:p>
                       <a:pPr algn="ctr"/>
-                      <a:endParaRPr lang="pt-BR"/>
+                      <a:endParaRPr lang="pt-BR" dirty="0"/>
                     </a:p>
                   </a:txBody>
                   <a:tcPr anchor="ctr">
@@ -6744,7 +6452,7 @@
                     <a:lstStyle/>
                     <a:p>
                       <a:pPr algn="ctr"/>
-                      <a:endParaRPr lang="pt-BR"/>
+                      <a:endParaRPr lang="pt-BR" dirty="0"/>
                     </a:p>
                   </a:txBody>
                   <a:tcPr anchor="ctr">
@@ -6762,7 +6470,7 @@
                     <a:lstStyle/>
                     <a:p>
                       <a:pPr algn="ctr"/>
-                      <a:endParaRPr lang="pt-BR"/>
+                      <a:endParaRPr lang="pt-BR" dirty="0"/>
                     </a:p>
                   </a:txBody>
                   <a:tcPr anchor="ctr">
@@ -6780,7 +6488,7 @@
                     <a:lstStyle/>
                     <a:p>
                       <a:pPr algn="ctr"/>
-                      <a:endParaRPr lang="pt-BR"/>
+                      <a:endParaRPr lang="pt-BR" dirty="0"/>
                     </a:p>
                   </a:txBody>
                   <a:tcPr anchor="ctr">
@@ -6798,7 +6506,7 @@
                     <a:lstStyle/>
                     <a:p>
                       <a:pPr algn="ctr"/>
-                      <a:endParaRPr lang="pt-BR" b="1"/>
+                      <a:endParaRPr lang="pt-BR" b="1" dirty="0"/>
                     </a:p>
                   </a:txBody>
                   <a:tcPr anchor="ctr">
@@ -6872,7 +6580,7 @@
 </p:sld>
 </file>
 
-<file path=ppt/slides/slide18.xml><?xml version="1.0" encoding="utf-8"?>
+<file path=ppt/slides/slide16.xml><?xml version="1.0" encoding="utf-8"?>
 <p:sld xmlns:a="http://schemas.openxmlformats.org/drawingml/2006/main" xmlns:r="http://schemas.openxmlformats.org/officeDocument/2006/relationships" xmlns:p="http://schemas.openxmlformats.org/presentationml/2006/main">
   <p:cSld>
     <p:spTree>
@@ -6937,7 +6645,7 @@
 </file>
 
 <file path=ppt/slides/slide2.xml><?xml version="1.0" encoding="utf-8"?>
-<p:sld xmlns:a="http://schemas.openxmlformats.org/drawingml/2006/main" xmlns:r="http://schemas.openxmlformats.org/officeDocument/2006/relationships" xmlns:p="http://schemas.openxmlformats.org/presentationml/2006/main" show="0">
+<p:sld xmlns:a="http://schemas.openxmlformats.org/drawingml/2006/main" xmlns:r="http://schemas.openxmlformats.org/officeDocument/2006/relationships" xmlns:p="http://schemas.openxmlformats.org/presentationml/2006/main">
   <p:cSld>
     <p:spTree>
       <p:nvGrpSpPr>
@@ -6958,7 +6666,7 @@
           <p:cNvPr id="2" name="Título 1">
             <a:extLst>
               <a:ext uri="{FF2B5EF4-FFF2-40B4-BE49-F238E27FC236}">
-                <a16:creationId xmlns:a16="http://schemas.microsoft.com/office/drawing/2014/main" id="{C7CF2085-26F6-4165-AB14-07F425FE8605}"/>
+                <a16:creationId xmlns:a16="http://schemas.microsoft.com/office/drawing/2014/main" id="{D6CD6BAF-4CC1-4832-ADFE-12ECBC7CBB65}"/>
               </a:ext>
             </a:extLst>
           </p:cNvPr>
@@ -6976,7 +6684,7 @@
           <a:p>
             <a:r>
               <a:rPr lang="pt-BR" dirty="0"/>
-              <a:t>Planejamento</a:t>
+              <a:t>Resumo</a:t>
             </a:r>
           </a:p>
         </p:txBody>
@@ -6986,7 +6694,7 @@
           <p:cNvPr id="3" name="Espaço Reservado para Conteúdo 2">
             <a:extLst>
               <a:ext uri="{FF2B5EF4-FFF2-40B4-BE49-F238E27FC236}">
-                <a16:creationId xmlns:a16="http://schemas.microsoft.com/office/drawing/2014/main" id="{C64C02DA-A82A-4E53-935F-FA3408CC3156}"/>
+                <a16:creationId xmlns:a16="http://schemas.microsoft.com/office/drawing/2014/main" id="{1700C748-90E2-48A7-B33E-B6854DE55C45}"/>
               </a:ext>
             </a:extLst>
           </p:cNvPr>
@@ -6999,84 +6707,76 @@
         </p:nvSpPr>
         <p:spPr/>
         <p:txBody>
-          <a:bodyPr/>
+          <a:bodyPr>
+            <a:normAutofit/>
+          </a:bodyPr>
           <a:lstStyle/>
           <a:p>
-            <a:pPr marL="0" indent="0">
-              <a:buNone/>
+            <a:r>
+              <a:rPr lang="pt-BR" b="1" dirty="0"/>
+              <a:t>Problema abordado:</a:t>
+            </a:r>
+            <a:r>
+              <a:rPr lang="pt-BR" dirty="0"/>
+              <a:t> quanto mais tardio é o diagnóstico de Acidente vascular cerebral (AVC), pior são os prejuízos para a vítima</a:t>
+            </a:r>
+          </a:p>
+          <a:p>
+            <a:endParaRPr lang="pt-BR" dirty="0"/>
+          </a:p>
+          <a:p>
+            <a:r>
+              <a:rPr lang="pt-BR" b="1" dirty="0"/>
+              <a:t>Objetivo: </a:t>
+            </a:r>
+            <a:r>
+              <a:rPr lang="pt-BR" dirty="0"/>
+              <a:t>Criar um classificador de dados e de imagens sobre AVC com intuito de agilizar diagnósticos da doença  </a:t>
+            </a:r>
+          </a:p>
+          <a:p>
+            <a:endParaRPr lang="pt-BR" dirty="0"/>
+          </a:p>
+          <a:p>
+            <a:r>
+              <a:rPr lang="pt-BR" dirty="0"/>
+              <a:t>Ao total serão desenvolvidos dois modelos: </a:t>
+            </a:r>
+          </a:p>
+          <a:p>
+            <a:pPr marL="971550" lvl="1" indent="-514350">
+              <a:buFont typeface="+mj-lt"/>
+              <a:buAutoNum type="arabicPeriod"/>
             </a:pPr>
             <a:r>
-              <a:rPr lang="pt-BR" sz="2400" dirty="0"/>
-              <a:t>Preparar uma apresentação, onde conste:</a:t>
-            </a:r>
-            <a:br>
-              <a:rPr lang="pt-BR" sz="2400" dirty="0"/>
-            </a:br>
-            <a:endParaRPr lang="pt-BR" sz="2400" dirty="0"/>
-          </a:p>
-          <a:p>
-            <a:pPr>
-              <a:buFont typeface="Wingdings" panose="05000000000000000000" pitchFamily="2" charset="2"/>
-              <a:buChar char="ü"/>
+              <a:rPr lang="pt-BR" b="1" dirty="0"/>
+              <a:t>Classificador de dados: </a:t>
+            </a:r>
+            <a:r>
+              <a:rPr lang="pt-BR" dirty="0"/>
+              <a:t>recebe informações sobre determinado indivíduo e o classifica como possível vítima ou não</a:t>
+            </a:r>
+          </a:p>
+          <a:p>
+            <a:pPr marL="971550" lvl="1" indent="-514350">
+              <a:buFont typeface="+mj-lt"/>
+              <a:buAutoNum type="arabicPeriod"/>
             </a:pPr>
             <a:r>
-              <a:rPr lang="pt-BR" sz="2400" dirty="0"/>
-              <a:t> um breve resumo do projeto </a:t>
-            </a:r>
-          </a:p>
-          <a:p>
-            <a:pPr>
-              <a:buFont typeface="Wingdings" panose="05000000000000000000" pitchFamily="2" charset="2"/>
-              <a:buChar char="ü"/>
-            </a:pPr>
-            <a:r>
-              <a:rPr lang="pt-BR" sz="2400" dirty="0"/>
-              <a:t> cronograma atualizado</a:t>
-            </a:r>
-          </a:p>
-          <a:p>
-            <a:pPr marL="0" indent="0">
-              <a:buNone/>
-            </a:pPr>
-            <a:r>
-              <a:rPr lang="pt-BR" sz="2400" dirty="0"/>
-              <a:t>- mostrar o desenvolvimento do trabalho neste primeiro semestre de 2022</a:t>
-            </a:r>
-          </a:p>
-          <a:p>
-            <a:pPr>
-              <a:buFont typeface="Wingdings" panose="05000000000000000000" pitchFamily="2" charset="2"/>
-              <a:buChar char="ü"/>
-            </a:pPr>
-            <a:r>
-              <a:rPr lang="pt-BR" sz="2400" dirty="0"/>
-              <a:t> identificar o que falta fazer.</a:t>
-            </a:r>
-          </a:p>
-          <a:p>
-            <a:pPr marL="0" indent="0">
-              <a:buNone/>
-            </a:pPr>
-            <a:endParaRPr lang="pt-BR" sz="2400" dirty="0"/>
-          </a:p>
-          <a:p>
-            <a:pPr marL="0" indent="0">
-              <a:buNone/>
-            </a:pPr>
-            <a:r>
-              <a:rPr lang="pt-BR" sz="2400" dirty="0"/>
-              <a:t>Tempo esperado por pessoa: 10min</a:t>
-            </a:r>
-          </a:p>
-          <a:p>
-            <a:endParaRPr lang="pt-BR" dirty="0"/>
+              <a:rPr lang="pt-BR" b="1" dirty="0"/>
+              <a:t>Classificador de imagens (rede neural): </a:t>
+            </a:r>
+            <a:r>
+              <a:rPr lang="pt-BR" dirty="0"/>
+              <a:t>recebe imagens de tomografia sobre o cérebro de um indivíduo e o classifica como possível vítima ou não</a:t>
+            </a:r>
           </a:p>
         </p:txBody>
       </p:sp>
     </p:spTree>
     <p:extLst>
       <p:ext uri="{BB962C8B-B14F-4D97-AF65-F5344CB8AC3E}">
-        <p14:creationId xmlns:p14="http://schemas.microsoft.com/office/powerpoint/2010/main" val="1258610927"/>
+        <p14:creationId xmlns:p14="http://schemas.microsoft.com/office/powerpoint/2010/main" val="2775983276"/>
       </p:ext>
     </p:extLst>
   </p:cSld>
@@ -7108,7 +6808,7 @@
           <p:cNvPr id="2" name="Título 1">
             <a:extLst>
               <a:ext uri="{FF2B5EF4-FFF2-40B4-BE49-F238E27FC236}">
-                <a16:creationId xmlns:a16="http://schemas.microsoft.com/office/drawing/2014/main" id="{D6CD6BAF-4CC1-4832-ADFE-12ECBC7CBB65}"/>
+                <a16:creationId xmlns:a16="http://schemas.microsoft.com/office/drawing/2014/main" id="{35473D1F-F352-41FE-958D-8B7108552FFC}"/>
               </a:ext>
             </a:extLst>
           </p:cNvPr>
@@ -7126,148 +6826,6 @@
           <a:p>
             <a:r>
               <a:rPr lang="pt-BR" dirty="0"/>
-              <a:t>Resumo</a:t>
-            </a:r>
-          </a:p>
-        </p:txBody>
-      </p:sp>
-      <p:sp>
-        <p:nvSpPr>
-          <p:cNvPr id="3" name="Espaço Reservado para Conteúdo 2">
-            <a:extLst>
-              <a:ext uri="{FF2B5EF4-FFF2-40B4-BE49-F238E27FC236}">
-                <a16:creationId xmlns:a16="http://schemas.microsoft.com/office/drawing/2014/main" id="{1700C748-90E2-48A7-B33E-B6854DE55C45}"/>
-              </a:ext>
-            </a:extLst>
-          </p:cNvPr>
-          <p:cNvSpPr>
-            <a:spLocks noGrp="1"/>
-          </p:cNvSpPr>
-          <p:nvPr>
-            <p:ph idx="1"/>
-          </p:nvPr>
-        </p:nvSpPr>
-        <p:spPr/>
-        <p:txBody>
-          <a:bodyPr>
-            <a:normAutofit/>
-          </a:bodyPr>
-          <a:lstStyle/>
-          <a:p>
-            <a:r>
-              <a:rPr lang="pt-BR" b="1" dirty="0"/>
-              <a:t>Problema abordado:</a:t>
-            </a:r>
-            <a:r>
-              <a:rPr lang="pt-BR" dirty="0"/>
-              <a:t> quanto mais tardio é o diagnóstico de Acidente vascular cerebral (AVC), pior são os prejuízos para a vítima</a:t>
-            </a:r>
-          </a:p>
-          <a:p>
-            <a:endParaRPr lang="pt-BR" dirty="0"/>
-          </a:p>
-          <a:p>
-            <a:r>
-              <a:rPr lang="pt-BR" b="1" dirty="0"/>
-              <a:t>Objetivo: </a:t>
-            </a:r>
-            <a:r>
-              <a:rPr lang="pt-BR" dirty="0"/>
-              <a:t>Criar um classificador de dados e de imagens sobre AVC com intuito de agilizar diagnósticos da doença  </a:t>
-            </a:r>
-          </a:p>
-          <a:p>
-            <a:endParaRPr lang="pt-BR" dirty="0"/>
-          </a:p>
-          <a:p>
-            <a:r>
-              <a:rPr lang="pt-BR" dirty="0"/>
-              <a:t>Ao total serão desenvolvidos dois modelos: </a:t>
-            </a:r>
-          </a:p>
-          <a:p>
-            <a:pPr marL="971550" lvl="1" indent="-514350">
-              <a:buFont typeface="+mj-lt"/>
-              <a:buAutoNum type="arabicPeriod"/>
-            </a:pPr>
-            <a:r>
-              <a:rPr lang="pt-BR" b="1" dirty="0"/>
-              <a:t>Classificador de dados: </a:t>
-            </a:r>
-            <a:r>
-              <a:rPr lang="pt-BR" dirty="0"/>
-              <a:t>recebe informações sobre determinado indivíduo e o classifica como possível vítima ou não</a:t>
-            </a:r>
-          </a:p>
-          <a:p>
-            <a:pPr marL="971550" lvl="1" indent="-514350">
-              <a:buFont typeface="+mj-lt"/>
-              <a:buAutoNum type="arabicPeriod"/>
-            </a:pPr>
-            <a:r>
-              <a:rPr lang="pt-BR" b="1" dirty="0"/>
-              <a:t>Classificador de imagens (rede neural): </a:t>
-            </a:r>
-            <a:r>
-              <a:rPr lang="pt-BR" dirty="0"/>
-              <a:t>recebe imagens de tomografia sobre o cérebro de um indivíduo e o classifica como possível vítima ou não</a:t>
-            </a:r>
-          </a:p>
-        </p:txBody>
-      </p:sp>
-    </p:spTree>
-    <p:extLst>
-      <p:ext uri="{BB962C8B-B14F-4D97-AF65-F5344CB8AC3E}">
-        <p14:creationId xmlns:p14="http://schemas.microsoft.com/office/powerpoint/2010/main" val="2775983276"/>
-      </p:ext>
-    </p:extLst>
-  </p:cSld>
-  <p:clrMapOvr>
-    <a:masterClrMapping/>
-  </p:clrMapOvr>
-</p:sld>
-</file>
-
-<file path=ppt/slides/slide4.xml><?xml version="1.0" encoding="utf-8"?>
-<p:sld xmlns:a="http://schemas.openxmlformats.org/drawingml/2006/main" xmlns:r="http://schemas.openxmlformats.org/officeDocument/2006/relationships" xmlns:p="http://schemas.openxmlformats.org/presentationml/2006/main">
-  <p:cSld>
-    <p:spTree>
-      <p:nvGrpSpPr>
-        <p:cNvPr id="1" name=""/>
-        <p:cNvGrpSpPr/>
-        <p:nvPr/>
-      </p:nvGrpSpPr>
-      <p:grpSpPr>
-        <a:xfrm>
-          <a:off x="0" y="0"/>
-          <a:ext cx="0" cy="0"/>
-          <a:chOff x="0" y="0"/>
-          <a:chExt cx="0" cy="0"/>
-        </a:xfrm>
-      </p:grpSpPr>
-      <p:sp>
-        <p:nvSpPr>
-          <p:cNvPr id="2" name="Título 1">
-            <a:extLst>
-              <a:ext uri="{FF2B5EF4-FFF2-40B4-BE49-F238E27FC236}">
-                <a16:creationId xmlns:a16="http://schemas.microsoft.com/office/drawing/2014/main" id="{35473D1F-F352-41FE-958D-8B7108552FFC}"/>
-              </a:ext>
-            </a:extLst>
-          </p:cNvPr>
-          <p:cNvSpPr>
-            <a:spLocks noGrp="1"/>
-          </p:cNvSpPr>
-          <p:nvPr>
-            <p:ph type="title"/>
-          </p:nvPr>
-        </p:nvSpPr>
-        <p:spPr/>
-        <p:txBody>
-          <a:bodyPr/>
-          <a:lstStyle/>
-          <a:p>
-            <a:r>
-              <a:rPr lang="pt-BR" dirty="0"/>
               <a:t>Cronograma – o que foi feito</a:t>
             </a:r>
           </a:p>
@@ -7289,7 +6847,7 @@
             <p:ph idx="1"/>
             <p:extLst>
               <p:ext uri="{D42A27DB-BD31-4B8C-83A1-F6EECF244321}">
-                <p14:modId xmlns:p14="http://schemas.microsoft.com/office/powerpoint/2010/main" val="3749583"/>
+                <p14:modId xmlns:p14="http://schemas.microsoft.com/office/powerpoint/2010/main" val="4111220041"/>
               </p:ext>
             </p:extLst>
           </p:nvPr>
@@ -7536,7 +7094,7 @@
                     <a:lstStyle/>
                     <a:p>
                       <a:pPr algn="ctr"/>
-                      <a:endParaRPr lang="pt-BR" b="1"/>
+                      <a:endParaRPr lang="pt-BR" b="1" dirty="0"/>
                     </a:p>
                   </a:txBody>
                   <a:tcPr anchor="ctr">
@@ -7554,7 +7112,7 @@
                     <a:lstStyle/>
                     <a:p>
                       <a:pPr algn="ctr"/>
-                      <a:endParaRPr lang="pt-BR" b="1"/>
+                      <a:endParaRPr lang="pt-BR" b="1" dirty="0"/>
                     </a:p>
                   </a:txBody>
                   <a:tcPr anchor="ctr">
@@ -7572,7 +7130,7 @@
                     <a:lstStyle/>
                     <a:p>
                       <a:pPr algn="ctr"/>
-                      <a:endParaRPr lang="pt-BR"/>
+                      <a:endParaRPr lang="pt-BR" dirty="0"/>
                     </a:p>
                   </a:txBody>
                   <a:tcPr anchor="ctr">
@@ -7590,7 +7148,7 @@
                     <a:lstStyle/>
                     <a:p>
                       <a:pPr algn="ctr"/>
-                      <a:endParaRPr lang="pt-BR"/>
+                      <a:endParaRPr lang="pt-BR" dirty="0"/>
                     </a:p>
                   </a:txBody>
                   <a:tcPr anchor="ctr">
@@ -7608,7 +7166,7 @@
                     <a:lstStyle/>
                     <a:p>
                       <a:pPr algn="ctr"/>
-                      <a:endParaRPr lang="pt-BR"/>
+                      <a:endParaRPr lang="pt-BR" dirty="0"/>
                     </a:p>
                   </a:txBody>
                   <a:tcPr anchor="ctr">
@@ -7634,7 +7192,7 @@
                     <a:p>
                       <a:r>
                         <a:rPr lang="pt-BR" dirty="0"/>
-                        <a:t>Modelo preditivo para dados em formato de tabela</a:t>
+                        <a:t>Modelo preditivo para fatores de risco</a:t>
                       </a:r>
                     </a:p>
                   </a:txBody>
@@ -7731,7 +7289,7 @@
                     <a:lstStyle/>
                     <a:p>
                       <a:pPr algn="ctr"/>
-                      <a:endParaRPr lang="pt-BR"/>
+                      <a:endParaRPr lang="pt-BR" dirty="0"/>
                     </a:p>
                   </a:txBody>
                   <a:tcPr anchor="ctr">
@@ -7749,7 +7307,7 @@
                     <a:lstStyle/>
                     <a:p>
                       <a:pPr algn="ctr"/>
-                      <a:endParaRPr lang="pt-BR"/>
+                      <a:endParaRPr lang="pt-BR" dirty="0"/>
                     </a:p>
                   </a:txBody>
                   <a:tcPr anchor="ctr">
@@ -7767,7 +7325,7 @@
                     <a:lstStyle/>
                     <a:p>
                       <a:pPr algn="ctr"/>
-                      <a:endParaRPr lang="pt-BR"/>
+                      <a:endParaRPr lang="pt-BR" dirty="0"/>
                     </a:p>
                   </a:txBody>
                   <a:tcPr anchor="ctr">
@@ -7812,7 +7370,7 @@
                     <a:lstStyle/>
                     <a:p>
                       <a:pPr algn="ctr"/>
-                      <a:endParaRPr lang="pt-BR" b="1"/>
+                      <a:endParaRPr lang="pt-BR" b="1" dirty="0"/>
                     </a:p>
                   </a:txBody>
                   <a:tcPr anchor="ctr">
@@ -7908,7 +7466,7 @@
                     <a:lstStyle/>
                     <a:p>
                       <a:pPr algn="ctr"/>
-                      <a:endParaRPr lang="pt-BR"/>
+                      <a:endParaRPr lang="pt-BR" dirty="0"/>
                     </a:p>
                   </a:txBody>
                   <a:tcPr anchor="ctr">
@@ -7926,7 +7484,7 @@
                     <a:lstStyle/>
                     <a:p>
                       <a:pPr algn="ctr"/>
-                      <a:endParaRPr lang="pt-BR"/>
+                      <a:endParaRPr lang="pt-BR" dirty="0"/>
                     </a:p>
                   </a:txBody>
                   <a:tcPr anchor="ctr">
@@ -7952,7 +7510,7 @@
                     <a:p>
                       <a:r>
                         <a:rPr lang="pt-BR" dirty="0"/>
-                        <a:t>Implementação</a:t>
+                        <a:t>Finalização dos modelos</a:t>
                       </a:r>
                     </a:p>
                   </a:txBody>
@@ -7971,7 +7529,7 @@
                     <a:lstStyle/>
                     <a:p>
                       <a:pPr algn="ctr"/>
-                      <a:endParaRPr lang="pt-BR"/>
+                      <a:endParaRPr lang="pt-BR" dirty="0"/>
                     </a:p>
                   </a:txBody>
                   <a:tcPr anchor="ctr">
@@ -7989,7 +7547,7 @@
                     <a:lstStyle/>
                     <a:p>
                       <a:pPr algn="ctr"/>
-                      <a:endParaRPr lang="pt-BR"/>
+                      <a:endParaRPr lang="pt-BR" dirty="0"/>
                     </a:p>
                   </a:txBody>
                   <a:tcPr anchor="ctr">
@@ -8007,7 +7565,7 @@
                     <a:lstStyle/>
                     <a:p>
                       <a:pPr algn="ctr"/>
-                      <a:endParaRPr lang="pt-BR"/>
+                      <a:endParaRPr lang="pt-BR" dirty="0"/>
                     </a:p>
                   </a:txBody>
                   <a:tcPr anchor="ctr">
@@ -8082,7 +7640,7 @@
                     <a:lstStyle/>
                     <a:p>
                       <a:pPr algn="ctr"/>
-                      <a:endParaRPr lang="pt-BR"/>
+                      <a:endParaRPr lang="pt-BR" dirty="0"/>
                     </a:p>
                   </a:txBody>
                   <a:tcPr anchor="ctr">
@@ -8108,7 +7666,7 @@
                     <a:p>
                       <a:r>
                         <a:rPr lang="pt-BR" dirty="0"/>
-                        <a:t>Finalização e documentação</a:t>
+                        <a:t>Monografia</a:t>
                       </a:r>
                     </a:p>
                   </a:txBody>
@@ -8163,7 +7721,7 @@
                     <a:lstStyle/>
                     <a:p>
                       <a:pPr algn="ctr"/>
-                      <a:endParaRPr lang="pt-BR"/>
+                      <a:endParaRPr lang="pt-BR" dirty="0"/>
                     </a:p>
                   </a:txBody>
                   <a:tcPr anchor="ctr">
@@ -8289,7 +7847,7 @@
                     <a:lstStyle/>
                     <a:p>
                       <a:pPr algn="ctr"/>
-                      <a:endParaRPr lang="pt-BR"/>
+                      <a:endParaRPr lang="pt-BR" dirty="0"/>
                     </a:p>
                   </a:txBody>
                   <a:tcPr anchor="ctr">
@@ -8307,7 +7865,7 @@
                     <a:lstStyle/>
                     <a:p>
                       <a:pPr algn="ctr"/>
-                      <a:endParaRPr lang="pt-BR"/>
+                      <a:endParaRPr lang="pt-BR" dirty="0"/>
                     </a:p>
                   </a:txBody>
                   <a:tcPr anchor="ctr">
@@ -8325,7 +7883,7 @@
                     <a:lstStyle/>
                     <a:p>
                       <a:pPr algn="ctr"/>
-                      <a:endParaRPr lang="pt-BR"/>
+                      <a:endParaRPr lang="pt-BR" dirty="0"/>
                     </a:p>
                   </a:txBody>
                   <a:tcPr anchor="ctr">
@@ -8343,7 +7901,7 @@
                     <a:lstStyle/>
                     <a:p>
                       <a:pPr algn="ctr"/>
-                      <a:endParaRPr lang="pt-BR"/>
+                      <a:endParaRPr lang="pt-BR" dirty="0"/>
                     </a:p>
                   </a:txBody>
                   <a:tcPr anchor="ctr">
@@ -8361,7 +7919,7 @@
                     <a:lstStyle/>
                     <a:p>
                       <a:pPr algn="ctr"/>
-                      <a:endParaRPr lang="pt-BR"/>
+                      <a:endParaRPr lang="pt-BR" dirty="0"/>
                     </a:p>
                   </a:txBody>
                   <a:tcPr anchor="ctr">
@@ -8426,6 +7984,108 @@
     <p:extLst>
       <p:ext uri="{BB962C8B-B14F-4D97-AF65-F5344CB8AC3E}">
         <p14:creationId xmlns:p14="http://schemas.microsoft.com/office/powerpoint/2010/main" val="2891745480"/>
+      </p:ext>
+    </p:extLst>
+  </p:cSld>
+  <p:clrMapOvr>
+    <a:masterClrMapping/>
+  </p:clrMapOvr>
+</p:sld>
+</file>
+
+<file path=ppt/slides/slide4.xml><?xml version="1.0" encoding="utf-8"?>
+<p:sld xmlns:a="http://schemas.openxmlformats.org/drawingml/2006/main" xmlns:r="http://schemas.openxmlformats.org/officeDocument/2006/relationships" xmlns:p="http://schemas.openxmlformats.org/presentationml/2006/main">
+  <p:cSld>
+    <p:spTree>
+      <p:nvGrpSpPr>
+        <p:cNvPr id="1" name=""/>
+        <p:cNvGrpSpPr/>
+        <p:nvPr/>
+      </p:nvGrpSpPr>
+      <p:grpSpPr>
+        <a:xfrm>
+          <a:off x="0" y="0"/>
+          <a:ext cx="0" cy="0"/>
+          <a:chOff x="0" y="0"/>
+          <a:chExt cx="0" cy="0"/>
+        </a:xfrm>
+      </p:grpSpPr>
+      <p:sp>
+        <p:nvSpPr>
+          <p:cNvPr id="2" name="Título 1">
+            <a:extLst>
+              <a:ext uri="{FF2B5EF4-FFF2-40B4-BE49-F238E27FC236}">
+                <a16:creationId xmlns:a16="http://schemas.microsoft.com/office/drawing/2014/main" id="{6ED12742-2051-4344-87C3-9F0FB13170CE}"/>
+              </a:ext>
+            </a:extLst>
+          </p:cNvPr>
+          <p:cNvSpPr>
+            <a:spLocks noGrp="1"/>
+          </p:cNvSpPr>
+          <p:nvPr>
+            <p:ph type="title"/>
+          </p:nvPr>
+        </p:nvSpPr>
+        <p:spPr>
+          <a:xfrm>
+            <a:off x="831850" y="1709738"/>
+            <a:ext cx="10515600" cy="2852737"/>
+          </a:xfrm>
+        </p:spPr>
+        <p:txBody>
+          <a:bodyPr/>
+          <a:lstStyle/>
+          <a:p>
+            <a:r>
+              <a:rPr lang="pt-BR" dirty="0">
+                <a:latin typeface="+mn-lt"/>
+              </a:rPr>
+              <a:t>Desenvolvimento</a:t>
+            </a:r>
+            <a:r>
+              <a:rPr lang="pt-BR" dirty="0"/>
+              <a:t> </a:t>
+            </a:r>
+          </a:p>
+        </p:txBody>
+      </p:sp>
+      <p:sp>
+        <p:nvSpPr>
+          <p:cNvPr id="3" name="Espaço Reservado para Texto 2">
+            <a:extLst>
+              <a:ext uri="{FF2B5EF4-FFF2-40B4-BE49-F238E27FC236}">
+                <a16:creationId xmlns:a16="http://schemas.microsoft.com/office/drawing/2014/main" id="{0C90A681-A221-49E2-96E6-F4D4D22252D2}"/>
+              </a:ext>
+            </a:extLst>
+          </p:cNvPr>
+          <p:cNvSpPr>
+            <a:spLocks noGrp="1"/>
+          </p:cNvSpPr>
+          <p:nvPr>
+            <p:ph type="body" idx="1"/>
+          </p:nvPr>
+        </p:nvSpPr>
+        <p:spPr>
+          <a:xfrm>
+            <a:off x="831850" y="4589463"/>
+            <a:ext cx="10515600" cy="1500187"/>
+          </a:xfrm>
+        </p:spPr>
+        <p:txBody>
+          <a:bodyPr/>
+          <a:lstStyle/>
+          <a:p>
+            <a:r>
+              <a:rPr lang="pt-BR" dirty="0"/>
+              <a:t>O que foi feito entre agosto a outubro</a:t>
+            </a:r>
+          </a:p>
+        </p:txBody>
+      </p:sp>
+    </p:spTree>
+    <p:extLst>
+      <p:ext uri="{BB962C8B-B14F-4D97-AF65-F5344CB8AC3E}">
+        <p14:creationId xmlns:p14="http://schemas.microsoft.com/office/powerpoint/2010/main" val="4083073870"/>
       </p:ext>
     </p:extLst>
   </p:cSld>
@@ -8457,7 +8117,7 @@
           <p:cNvPr id="2" name="Título 1">
             <a:extLst>
               <a:ext uri="{FF2B5EF4-FFF2-40B4-BE49-F238E27FC236}">
-                <a16:creationId xmlns:a16="http://schemas.microsoft.com/office/drawing/2014/main" id="{6ED12742-2051-4344-87C3-9F0FB13170CE}"/>
+                <a16:creationId xmlns:a16="http://schemas.microsoft.com/office/drawing/2014/main" id="{7CF8DE70-FEF7-4357-BEF2-8B9F283BD640}"/>
               </a:ext>
             </a:extLst>
           </p:cNvPr>
@@ -8468,35 +8128,24 @@
             <p:ph type="title"/>
           </p:nvPr>
         </p:nvSpPr>
-        <p:spPr>
-          <a:xfrm>
-            <a:off x="831850" y="1709738"/>
-            <a:ext cx="10515600" cy="2852737"/>
-          </a:xfrm>
-        </p:spPr>
+        <p:spPr/>
         <p:txBody>
           <a:bodyPr/>
           <a:lstStyle/>
           <a:p>
             <a:r>
-              <a:rPr lang="pt-BR" dirty="0">
-                <a:latin typeface="+mn-lt"/>
-              </a:rPr>
-              <a:t>Desenvolvimento</a:t>
-            </a:r>
-            <a:r>
               <a:rPr lang="pt-BR" dirty="0"/>
-              <a:t> </a:t>
+              <a:t>Conjunto de dados utilizado</a:t>
             </a:r>
           </a:p>
         </p:txBody>
       </p:sp>
       <p:sp>
         <p:nvSpPr>
-          <p:cNvPr id="3" name="Espaço Reservado para Texto 2">
-            <a:extLst>
-              <a:ext uri="{FF2B5EF4-FFF2-40B4-BE49-F238E27FC236}">
-                <a16:creationId xmlns:a16="http://schemas.microsoft.com/office/drawing/2014/main" id="{0C90A681-A221-49E2-96E6-F4D4D22252D2}"/>
+          <p:cNvPr id="3" name="Espaço Reservado para Conteúdo 2">
+            <a:extLst>
+              <a:ext uri="{FF2B5EF4-FFF2-40B4-BE49-F238E27FC236}">
+                <a16:creationId xmlns:a16="http://schemas.microsoft.com/office/drawing/2014/main" id="{480BDFB0-3F77-4040-B02F-48081BC0E520}"/>
               </a:ext>
             </a:extLst>
           </p:cNvPr>
@@ -8504,22 +8153,51 @@
             <a:spLocks noGrp="1"/>
           </p:cNvSpPr>
           <p:nvPr>
-            <p:ph type="body" idx="1"/>
+            <p:ph idx="1"/>
           </p:nvPr>
         </p:nvSpPr>
-        <p:spPr>
-          <a:xfrm>
-            <a:off x="831850" y="4589463"/>
-            <a:ext cx="10515600" cy="1500187"/>
-          </a:xfrm>
-        </p:spPr>
+        <p:spPr/>
         <p:txBody>
           <a:bodyPr/>
           <a:lstStyle/>
           <a:p>
+            <a:endParaRPr lang="pt-BR" dirty="0"/>
+          </a:p>
+          <a:p>
             <a:r>
               <a:rPr lang="pt-BR" dirty="0"/>
-              <a:t>O que foi feito entre agosto a outubro</a:t>
+              <a:t>Conjunto de imagens pertencentes a três classes:</a:t>
+            </a:r>
+          </a:p>
+          <a:p>
+            <a:pPr lvl="1"/>
+            <a:r>
+              <a:rPr lang="pt-BR" dirty="0"/>
+              <a:t>Condição normal: 174 imagens</a:t>
+            </a:r>
+          </a:p>
+          <a:p>
+            <a:pPr lvl="1"/>
+            <a:r>
+              <a:rPr lang="pt-BR" dirty="0"/>
+              <a:t>Condição de AVC Isquêmico: 157 imagens</a:t>
+            </a:r>
+          </a:p>
+          <a:p>
+            <a:pPr lvl="1"/>
+            <a:r>
+              <a:rPr lang="pt-BR" dirty="0"/>
+              <a:t>Condição de AVC Hemorrágico: 144 imagens</a:t>
+            </a:r>
+          </a:p>
+          <a:p>
+            <a:pPr lvl="1"/>
+            <a:endParaRPr lang="pt-BR" dirty="0"/>
+          </a:p>
+          <a:p>
+            <a:r>
+              <a:rPr lang="pt-BR" dirty="0"/>
+              <a:t>Obtidas através de tomografia computadorizada</a:t>
             </a:r>
           </a:p>
         </p:txBody>
@@ -8527,7 +8205,7 @@
     </p:spTree>
     <p:extLst>
       <p:ext uri="{BB962C8B-B14F-4D97-AF65-F5344CB8AC3E}">
-        <p14:creationId xmlns:p14="http://schemas.microsoft.com/office/powerpoint/2010/main" val="4083073870"/>
+        <p14:creationId xmlns:p14="http://schemas.microsoft.com/office/powerpoint/2010/main" val="1251465327"/>
       </p:ext>
     </p:extLst>
   </p:cSld>
@@ -8559,7 +8237,7 @@
           <p:cNvPr id="2" name="Título 1">
             <a:extLst>
               <a:ext uri="{FF2B5EF4-FFF2-40B4-BE49-F238E27FC236}">
-                <a16:creationId xmlns:a16="http://schemas.microsoft.com/office/drawing/2014/main" id="{7CF8DE70-FEF7-4357-BEF2-8B9F283BD640}"/>
+                <a16:creationId xmlns:a16="http://schemas.microsoft.com/office/drawing/2014/main" id="{BD58F0CA-2A0C-45DE-8101-0173CCE22EA6}"/>
               </a:ext>
             </a:extLst>
           </p:cNvPr>
@@ -8577,17 +8255,17 @@
           <a:p>
             <a:r>
               <a:rPr lang="pt-BR" dirty="0"/>
-              <a:t>Conjunto de dados utilizado</a:t>
+              <a:t>Conjunto de dados utilizado - exemplos</a:t>
             </a:r>
           </a:p>
         </p:txBody>
       </p:sp>
       <p:sp>
         <p:nvSpPr>
-          <p:cNvPr id="3" name="Espaço Reservado para Conteúdo 2">
-            <a:extLst>
-              <a:ext uri="{FF2B5EF4-FFF2-40B4-BE49-F238E27FC236}">
-                <a16:creationId xmlns:a16="http://schemas.microsoft.com/office/drawing/2014/main" id="{480BDFB0-3F77-4040-B02F-48081BC0E520}"/>
+          <p:cNvPr id="3" name="Espaço Reservado para Texto 2">
+            <a:extLst>
+              <a:ext uri="{FF2B5EF4-FFF2-40B4-BE49-F238E27FC236}">
+                <a16:creationId xmlns:a16="http://schemas.microsoft.com/office/drawing/2014/main" id="{11896A8D-32A7-4C4B-9C49-48DDE31D72E4}"/>
               </a:ext>
             </a:extLst>
           </p:cNvPr>
@@ -8595,59 +8273,100 @@
             <a:spLocks noGrp="1"/>
           </p:cNvSpPr>
           <p:nvPr>
-            <p:ph idx="1"/>
+            <p:ph type="body" idx="1"/>
           </p:nvPr>
         </p:nvSpPr>
-        <p:spPr/>
+        <p:spPr>
+          <a:xfrm>
+            <a:off x="839787" y="1357313"/>
+            <a:ext cx="5157787" cy="823912"/>
+          </a:xfrm>
+        </p:spPr>
         <p:txBody>
           <a:bodyPr/>
           <a:lstStyle/>
           <a:p>
-            <a:endParaRPr lang="pt-BR" dirty="0"/>
-          </a:p>
-          <a:p>
             <a:r>
               <a:rPr lang="pt-BR" dirty="0"/>
-              <a:t>Conjunto de imagens pertencentes a três classes:</a:t>
-            </a:r>
-          </a:p>
-          <a:p>
-            <a:pPr lvl="1"/>
-            <a:r>
-              <a:rPr lang="pt-BR" dirty="0"/>
-              <a:t>Condição normal: 174 imagens</a:t>
-            </a:r>
-          </a:p>
-          <a:p>
-            <a:pPr lvl="1"/>
-            <a:r>
-              <a:rPr lang="pt-BR" dirty="0"/>
-              <a:t>Condição de AVC Isquêmico: 157 imagens</a:t>
-            </a:r>
-          </a:p>
-          <a:p>
-            <a:pPr lvl="1"/>
-            <a:r>
-              <a:rPr lang="pt-BR" dirty="0"/>
-              <a:t>Condição de AVC Hemorrágico: 144 imagens</a:t>
-            </a:r>
-          </a:p>
-          <a:p>
-            <a:pPr lvl="1"/>
-            <a:endParaRPr lang="pt-BR" dirty="0"/>
-          </a:p>
-          <a:p>
-            <a:r>
-              <a:rPr lang="pt-BR" dirty="0"/>
-              <a:t>Obtidas através de tomografia computadorizada</a:t>
+              <a:t>Exemplos condição normal</a:t>
             </a:r>
           </a:p>
         </p:txBody>
       </p:sp>
+      <p:pic>
+        <p:nvPicPr>
+          <p:cNvPr id="8" name="Espaço Reservado para Conteúdo 7">
+            <a:extLst>
+              <a:ext uri="{FF2B5EF4-FFF2-40B4-BE49-F238E27FC236}">
+                <a16:creationId xmlns:a16="http://schemas.microsoft.com/office/drawing/2014/main" id="{3386C018-5179-4203-AD89-51ECF5FB9400}"/>
+              </a:ext>
+            </a:extLst>
+          </p:cNvPr>
+          <p:cNvPicPr>
+            <a:picLocks noGrp="1" noChangeAspect="1"/>
+          </p:cNvPicPr>
+          <p:nvPr>
+            <p:ph sz="half" idx="2"/>
+          </p:nvPr>
+        </p:nvPicPr>
+        <p:blipFill>
+          <a:blip r:embed="rId2">
+            <a:extLst>
+              <a:ext uri="{28A0092B-C50C-407E-A947-70E740481C1C}">
+                <a14:useLocalDpi xmlns:a14="http://schemas.microsoft.com/office/drawing/2010/main" val="0"/>
+              </a:ext>
+            </a:extLst>
+          </a:blip>
+          <a:stretch>
+            <a:fillRect/>
+          </a:stretch>
+        </p:blipFill>
+        <p:spPr>
+          <a:xfrm>
+            <a:off x="1576387" y="2505075"/>
+            <a:ext cx="3684588" cy="3684588"/>
+          </a:xfrm>
+        </p:spPr>
+      </p:pic>
+      <p:pic>
+        <p:nvPicPr>
+          <p:cNvPr id="10" name="Espaço Reservado para Conteúdo 9">
+            <a:extLst>
+              <a:ext uri="{FF2B5EF4-FFF2-40B4-BE49-F238E27FC236}">
+                <a16:creationId xmlns:a16="http://schemas.microsoft.com/office/drawing/2014/main" id="{E9EF77F8-9973-4B07-A62C-DC76FB2B6929}"/>
+              </a:ext>
+            </a:extLst>
+          </p:cNvPr>
+          <p:cNvPicPr>
+            <a:picLocks noGrp="1" noChangeAspect="1"/>
+          </p:cNvPicPr>
+          <p:nvPr>
+            <p:ph sz="quarter" idx="4"/>
+          </p:nvPr>
+        </p:nvPicPr>
+        <p:blipFill>
+          <a:blip r:embed="rId3">
+            <a:extLst>
+              <a:ext uri="{28A0092B-C50C-407E-A947-70E740481C1C}">
+                <a14:useLocalDpi xmlns:a14="http://schemas.microsoft.com/office/drawing/2010/main" val="0"/>
+              </a:ext>
+            </a:extLst>
+          </a:blip>
+          <a:stretch>
+            <a:fillRect/>
+          </a:stretch>
+        </p:blipFill>
+        <p:spPr>
+          <a:xfrm>
+            <a:off x="6921500" y="2505075"/>
+            <a:ext cx="3684588" cy="3684588"/>
+          </a:xfrm>
+        </p:spPr>
+      </p:pic>
     </p:spTree>
     <p:extLst>
       <p:ext uri="{BB962C8B-B14F-4D97-AF65-F5344CB8AC3E}">
-        <p14:creationId xmlns:p14="http://schemas.microsoft.com/office/powerpoint/2010/main" val="1251465327"/>
+        <p14:creationId xmlns:p14="http://schemas.microsoft.com/office/powerpoint/2010/main" val="2775814643"/>
       </p:ext>
     </p:extLst>
   </p:cSld>
@@ -8720,7 +8439,7 @@
         </p:nvSpPr>
         <p:spPr>
           <a:xfrm>
-            <a:off x="839787" y="1357313"/>
+            <a:off x="839787" y="1433513"/>
             <a:ext cx="5157787" cy="823912"/>
           </a:xfrm>
         </p:spPr>
@@ -8730,17 +8449,17 @@
           <a:p>
             <a:r>
               <a:rPr lang="pt-BR" dirty="0"/>
-              <a:t>Exemplos condição normal</a:t>
+              <a:t>Exemplo condição AVC - Hemorrágico</a:t>
             </a:r>
           </a:p>
         </p:txBody>
       </p:sp>
       <p:pic>
         <p:nvPicPr>
-          <p:cNvPr id="8" name="Espaço Reservado para Conteúdo 7">
-            <a:extLst>
-              <a:ext uri="{FF2B5EF4-FFF2-40B4-BE49-F238E27FC236}">
-                <a16:creationId xmlns:a16="http://schemas.microsoft.com/office/drawing/2014/main" id="{3386C018-5179-4203-AD89-51ECF5FB9400}"/>
+          <p:cNvPr id="24" name="Espaço Reservado para Conteúdo 23">
+            <a:extLst>
+              <a:ext uri="{FF2B5EF4-FFF2-40B4-BE49-F238E27FC236}">
+                <a16:creationId xmlns:a16="http://schemas.microsoft.com/office/drawing/2014/main" id="{2B89B40C-DFF0-4408-AD27-B5A439998160}"/>
               </a:ext>
             </a:extLst>
           </p:cNvPr>
@@ -8770,12 +8489,45 @@
           </a:xfrm>
         </p:spPr>
       </p:pic>
+      <p:sp>
+        <p:nvSpPr>
+          <p:cNvPr id="5" name="Espaço Reservado para Texto 4">
+            <a:extLst>
+              <a:ext uri="{FF2B5EF4-FFF2-40B4-BE49-F238E27FC236}">
+                <a16:creationId xmlns:a16="http://schemas.microsoft.com/office/drawing/2014/main" id="{5374C960-F77E-43F8-8417-4313ED9ABEE3}"/>
+              </a:ext>
+            </a:extLst>
+          </p:cNvPr>
+          <p:cNvSpPr>
+            <a:spLocks noGrp="1"/>
+          </p:cNvSpPr>
+          <p:nvPr>
+            <p:ph type="body" sz="quarter" idx="3"/>
+          </p:nvPr>
+        </p:nvSpPr>
+        <p:spPr>
+          <a:xfrm>
+            <a:off x="6194428" y="1433513"/>
+            <a:ext cx="5183188" cy="823912"/>
+          </a:xfrm>
+        </p:spPr>
+        <p:txBody>
+          <a:bodyPr/>
+          <a:lstStyle/>
+          <a:p>
+            <a:r>
+              <a:rPr lang="pt-BR" dirty="0"/>
+              <a:t>Exemplo condição AVC - Isquêmico</a:t>
+            </a:r>
+          </a:p>
+        </p:txBody>
+      </p:sp>
       <p:pic>
         <p:nvPicPr>
-          <p:cNvPr id="10" name="Espaço Reservado para Conteúdo 9">
-            <a:extLst>
-              <a:ext uri="{FF2B5EF4-FFF2-40B4-BE49-F238E27FC236}">
-                <a16:creationId xmlns:a16="http://schemas.microsoft.com/office/drawing/2014/main" id="{E9EF77F8-9973-4B07-A62C-DC76FB2B6929}"/>
+          <p:cNvPr id="74" name="Espaço Reservado para Conteúdo 73">
+            <a:extLst>
+              <a:ext uri="{FF2B5EF4-FFF2-40B4-BE49-F238E27FC236}">
+                <a16:creationId xmlns:a16="http://schemas.microsoft.com/office/drawing/2014/main" id="{C2D53D18-6694-496F-9DA7-3A777885D68A}"/>
               </a:ext>
             </a:extLst>
           </p:cNvPr>
@@ -8808,7 +8560,7 @@
     </p:spTree>
     <p:extLst>
       <p:ext uri="{BB962C8B-B14F-4D97-AF65-F5344CB8AC3E}">
-        <p14:creationId xmlns:p14="http://schemas.microsoft.com/office/powerpoint/2010/main" val="2775814643"/>
+        <p14:creationId xmlns:p14="http://schemas.microsoft.com/office/powerpoint/2010/main" val="1009395339"/>
       </p:ext>
     </p:extLst>
   </p:cSld>
@@ -8840,7 +8592,7 @@
           <p:cNvPr id="2" name="Título 1">
             <a:extLst>
               <a:ext uri="{FF2B5EF4-FFF2-40B4-BE49-F238E27FC236}">
-                <a16:creationId xmlns:a16="http://schemas.microsoft.com/office/drawing/2014/main" id="{BD58F0CA-2A0C-45DE-8101-0173CCE22EA6}"/>
+                <a16:creationId xmlns:a16="http://schemas.microsoft.com/office/drawing/2014/main" id="{7CF8DE70-FEF7-4357-BEF2-8B9F283BD640}"/>
               </a:ext>
             </a:extLst>
           </p:cNvPr>
@@ -8858,17 +8610,17 @@
           <a:p>
             <a:r>
               <a:rPr lang="pt-BR" dirty="0"/>
-              <a:t>Conjunto de dados utilizado - exemplos</a:t>
+              <a:t>Conjunto de dados utilizado – divisão feita</a:t>
             </a:r>
           </a:p>
         </p:txBody>
       </p:sp>
       <p:sp>
         <p:nvSpPr>
-          <p:cNvPr id="3" name="Espaço Reservado para Texto 2">
-            <a:extLst>
-              <a:ext uri="{FF2B5EF4-FFF2-40B4-BE49-F238E27FC236}">
-                <a16:creationId xmlns:a16="http://schemas.microsoft.com/office/drawing/2014/main" id="{11896A8D-32A7-4C4B-9C49-48DDE31D72E4}"/>
+          <p:cNvPr id="3" name="Espaço Reservado para Conteúdo 2">
+            <a:extLst>
+              <a:ext uri="{FF2B5EF4-FFF2-40B4-BE49-F238E27FC236}">
+                <a16:creationId xmlns:a16="http://schemas.microsoft.com/office/drawing/2014/main" id="{480BDFB0-3F77-4040-B02F-48081BC0E520}"/>
               </a:ext>
             </a:extLst>
           </p:cNvPr>
@@ -8876,133 +8628,72 @@
             <a:spLocks noGrp="1"/>
           </p:cNvSpPr>
           <p:nvPr>
-            <p:ph type="body" idx="1"/>
+            <p:ph idx="1"/>
           </p:nvPr>
         </p:nvSpPr>
-        <p:spPr>
-          <a:xfrm>
-            <a:off x="839787" y="1433513"/>
-            <a:ext cx="5157787" cy="823912"/>
-          </a:xfrm>
-        </p:spPr>
+        <p:spPr/>
         <p:txBody>
           <a:bodyPr/>
           <a:lstStyle/>
           <a:p>
+            <a:endParaRPr lang="pt-BR" sz="2000" dirty="0"/>
+          </a:p>
+          <a:p>
             <a:r>
               <a:rPr lang="pt-BR" dirty="0"/>
-              <a:t>Exemplo condição AVC - Hemorrágico</a:t>
-            </a:r>
+              <a:t>O conjunto de dados foi divido em duas classes: </a:t>
+            </a:r>
+            <a:r>
+              <a:rPr lang="pt-BR" b="1" dirty="0"/>
+              <a:t>condição de avc</a:t>
+            </a:r>
+            <a:r>
+              <a:rPr lang="pt-BR" dirty="0"/>
+              <a:t> e </a:t>
+            </a:r>
+            <a:r>
+              <a:rPr lang="pt-BR" b="1" dirty="0"/>
+              <a:t>condição de não avc</a:t>
+            </a:r>
+          </a:p>
+          <a:p>
+            <a:endParaRPr lang="pt-BR" dirty="0"/>
+          </a:p>
+          <a:p>
+            <a:r>
+              <a:rPr lang="pt-BR" dirty="0"/>
+              <a:t>Para criação da rede, o conjunto total foi divido em: </a:t>
+            </a:r>
+          </a:p>
+          <a:p>
+            <a:pPr lvl="1"/>
+            <a:r>
+              <a:rPr lang="pt-BR" dirty="0"/>
+              <a:t>65% para treinamento (309 imagens)</a:t>
+            </a:r>
+          </a:p>
+          <a:p>
+            <a:pPr lvl="1"/>
+            <a:r>
+              <a:rPr lang="pt-BR" dirty="0"/>
+              <a:t>35% para validação (166 imagens)</a:t>
+            </a:r>
+          </a:p>
+          <a:p>
+            <a:endParaRPr lang="pt-BR" dirty="0"/>
+          </a:p>
+          <a:p>
+            <a:endParaRPr lang="pt-BR" dirty="0"/>
+          </a:p>
+          <a:p>
+            <a:endParaRPr lang="pt-BR" dirty="0"/>
           </a:p>
         </p:txBody>
       </p:sp>
-      <p:pic>
-        <p:nvPicPr>
-          <p:cNvPr id="24" name="Espaço Reservado para Conteúdo 23">
-            <a:extLst>
-              <a:ext uri="{FF2B5EF4-FFF2-40B4-BE49-F238E27FC236}">
-                <a16:creationId xmlns:a16="http://schemas.microsoft.com/office/drawing/2014/main" id="{2B89B40C-DFF0-4408-AD27-B5A439998160}"/>
-              </a:ext>
-            </a:extLst>
-          </p:cNvPr>
-          <p:cNvPicPr>
-            <a:picLocks noGrp="1" noChangeAspect="1"/>
-          </p:cNvPicPr>
-          <p:nvPr>
-            <p:ph sz="half" idx="2"/>
-          </p:nvPr>
-        </p:nvPicPr>
-        <p:blipFill>
-          <a:blip r:embed="rId2">
-            <a:extLst>
-              <a:ext uri="{28A0092B-C50C-407E-A947-70E740481C1C}">
-                <a14:useLocalDpi xmlns:a14="http://schemas.microsoft.com/office/drawing/2010/main" val="0"/>
-              </a:ext>
-            </a:extLst>
-          </a:blip>
-          <a:stretch>
-            <a:fillRect/>
-          </a:stretch>
-        </p:blipFill>
-        <p:spPr>
-          <a:xfrm>
-            <a:off x="1576387" y="2505075"/>
-            <a:ext cx="3684588" cy="3684588"/>
-          </a:xfrm>
-        </p:spPr>
-      </p:pic>
-      <p:sp>
-        <p:nvSpPr>
-          <p:cNvPr id="5" name="Espaço Reservado para Texto 4">
-            <a:extLst>
-              <a:ext uri="{FF2B5EF4-FFF2-40B4-BE49-F238E27FC236}">
-                <a16:creationId xmlns:a16="http://schemas.microsoft.com/office/drawing/2014/main" id="{5374C960-F77E-43F8-8417-4313ED9ABEE3}"/>
-              </a:ext>
-            </a:extLst>
-          </p:cNvPr>
-          <p:cNvSpPr>
-            <a:spLocks noGrp="1"/>
-          </p:cNvSpPr>
-          <p:nvPr>
-            <p:ph type="body" sz="quarter" idx="3"/>
-          </p:nvPr>
-        </p:nvSpPr>
-        <p:spPr>
-          <a:xfrm>
-            <a:off x="6194428" y="1433513"/>
-            <a:ext cx="5183188" cy="823912"/>
-          </a:xfrm>
-        </p:spPr>
-        <p:txBody>
-          <a:bodyPr/>
-          <a:lstStyle/>
-          <a:p>
-            <a:r>
-              <a:rPr lang="pt-BR" dirty="0"/>
-              <a:t>Exemplo condição AVC - Isquêmico</a:t>
-            </a:r>
-          </a:p>
-        </p:txBody>
-      </p:sp>
-      <p:pic>
-        <p:nvPicPr>
-          <p:cNvPr id="74" name="Espaço Reservado para Conteúdo 73">
-            <a:extLst>
-              <a:ext uri="{FF2B5EF4-FFF2-40B4-BE49-F238E27FC236}">
-                <a16:creationId xmlns:a16="http://schemas.microsoft.com/office/drawing/2014/main" id="{C2D53D18-6694-496F-9DA7-3A777885D68A}"/>
-              </a:ext>
-            </a:extLst>
-          </p:cNvPr>
-          <p:cNvPicPr>
-            <a:picLocks noGrp="1" noChangeAspect="1"/>
-          </p:cNvPicPr>
-          <p:nvPr>
-            <p:ph sz="quarter" idx="4"/>
-          </p:nvPr>
-        </p:nvPicPr>
-        <p:blipFill>
-          <a:blip r:embed="rId3">
-            <a:extLst>
-              <a:ext uri="{28A0092B-C50C-407E-A947-70E740481C1C}">
-                <a14:useLocalDpi xmlns:a14="http://schemas.microsoft.com/office/drawing/2010/main" val="0"/>
-              </a:ext>
-            </a:extLst>
-          </a:blip>
-          <a:stretch>
-            <a:fillRect/>
-          </a:stretch>
-        </p:blipFill>
-        <p:spPr>
-          <a:xfrm>
-            <a:off x="6921500" y="2505075"/>
-            <a:ext cx="3684588" cy="3684588"/>
-          </a:xfrm>
-        </p:spPr>
-      </p:pic>
     </p:spTree>
     <p:extLst>
       <p:ext uri="{BB962C8B-B14F-4D97-AF65-F5344CB8AC3E}">
-        <p14:creationId xmlns:p14="http://schemas.microsoft.com/office/powerpoint/2010/main" val="1009395339"/>
+        <p14:creationId xmlns:p14="http://schemas.microsoft.com/office/powerpoint/2010/main" val="3668981799"/>
       </p:ext>
     </p:extLst>
   </p:cSld>
@@ -9052,7 +8743,7 @@
           <a:p>
             <a:r>
               <a:rPr lang="pt-BR" dirty="0"/>
-              <a:t>Conjunto de dados utilizado – divisão feita</a:t>
+              <a:t>Sobre a rede construída</a:t>
             </a:r>
           </a:p>
         </p:txBody>
@@ -9075,68 +8766,113 @@
         </p:nvSpPr>
         <p:spPr/>
         <p:txBody>
-          <a:bodyPr/>
+          <a:bodyPr>
+            <a:normAutofit/>
+          </a:bodyPr>
           <a:lstStyle/>
           <a:p>
-            <a:endParaRPr lang="pt-BR" sz="2000" dirty="0"/>
-          </a:p>
-          <a:p>
+            <a:pPr marL="0" indent="0">
+              <a:buNone/>
+            </a:pPr>
             <a:r>
               <a:rPr lang="pt-BR" dirty="0"/>
-              <a:t>O conjunto de dados foi divido em duas classes: </a:t>
+              <a:t>Rede Neural:</a:t>
+            </a:r>
+          </a:p>
+          <a:p>
+            <a:pPr lvl="1"/>
+            <a:r>
+              <a:rPr lang="pt-BR" dirty="0"/>
+              <a:t>Conjunto de camadas interconectadas compostas por vários </a:t>
             </a:r>
             <a:r>
               <a:rPr lang="pt-BR" b="1" dirty="0"/>
-              <a:t>condição de </a:t>
-            </a:r>
-            <a:r>
-              <a:rPr lang="pt-BR" b="1" dirty="0" err="1"/>
-              <a:t>avc</a:t>
-            </a:r>
+              <a:t>neurônios artificiais</a:t>
+            </a:r>
+            <a:endParaRPr lang="pt-BR" dirty="0"/>
+          </a:p>
+          <a:p>
+            <a:pPr lvl="1"/>
             <a:r>
               <a:rPr lang="pt-BR" dirty="0"/>
-              <a:t> e </a:t>
+              <a:t>Possibilitam o computador a </a:t>
             </a:r>
             <a:r>
               <a:rPr lang="pt-BR" b="1" dirty="0"/>
-              <a:t>condição de não </a:t>
-            </a:r>
-            <a:r>
-              <a:rPr lang="pt-BR" b="1" dirty="0" err="1"/>
-              <a:t>avc</a:t>
+              <a:t>reconhecer padrões </a:t>
+            </a:r>
+            <a:r>
+              <a:rPr lang="pt-BR" dirty="0"/>
+              <a:t>e </a:t>
+            </a:r>
+            <a:r>
+              <a:rPr lang="pt-BR" b="1" dirty="0"/>
+              <a:t>tomar</a:t>
+            </a:r>
+            <a:r>
+              <a:rPr lang="pt-BR" dirty="0"/>
+              <a:t> </a:t>
+            </a:r>
+            <a:r>
+              <a:rPr lang="pt-BR" b="1" dirty="0"/>
+              <a:t>decisões inteligentes </a:t>
+            </a:r>
+            <a:r>
+              <a:rPr lang="pt-BR" dirty="0"/>
+              <a:t>(deduções precisas)</a:t>
+            </a:r>
+          </a:p>
+          <a:p>
+            <a:pPr marL="0" indent="0">
+              <a:buNone/>
+            </a:pPr>
+            <a:endParaRPr lang="pt-BR" dirty="0"/>
+          </a:p>
+          <a:p>
+            <a:pPr marL="0" indent="0">
+              <a:buNone/>
+            </a:pPr>
+            <a:endParaRPr lang="pt-BR" dirty="0"/>
+          </a:p>
+          <a:p>
+            <a:pPr marL="0" indent="0">
+              <a:buNone/>
+            </a:pPr>
+            <a:r>
+              <a:rPr lang="pt-BR" dirty="0"/>
+              <a:t>Rede Neural Convolucional (CNN/ConvNet): </a:t>
             </a:r>
             <a:endParaRPr lang="pt-BR" b="1" dirty="0"/>
           </a:p>
           <a:p>
-            <a:endParaRPr lang="pt-BR" dirty="0"/>
-          </a:p>
-          <a:p>
+            <a:pPr lvl="1"/>
             <a:r>
               <a:rPr lang="pt-BR" dirty="0"/>
-              <a:t>Para criação da rede, o conjunto total foi divido em: </a:t>
+              <a:t>Realça detalhes dos dados através da aplicação de filtros</a:t>
             </a:r>
           </a:p>
           <a:p>
             <a:pPr lvl="1"/>
             <a:r>
               <a:rPr lang="pt-BR" dirty="0"/>
-              <a:t>65% para treinamento (309 imagens)</a:t>
+              <a:t>Consegue reduzir uma imagem sem perder detalhes importantes – pooling </a:t>
             </a:r>
           </a:p>
           <a:p>
             <a:pPr lvl="1"/>
             <a:r>
               <a:rPr lang="pt-BR" dirty="0"/>
-              <a:t>35% para validação (166 imagens)</a:t>
-            </a:r>
-          </a:p>
-          <a:p>
-            <a:endParaRPr lang="pt-BR" dirty="0"/>
-          </a:p>
-          <a:p>
-            <a:endParaRPr lang="pt-BR" dirty="0"/>
-          </a:p>
-          <a:p>
+              <a:t>Melhor desempenho quando a classificação depende de detalhes/características específicas</a:t>
+            </a:r>
+          </a:p>
+          <a:p>
+            <a:pPr marL="457200" lvl="1" indent="0">
+              <a:buNone/>
+            </a:pPr>
+            <a:endParaRPr lang="pt-BR" sz="1200" dirty="0"/>
+          </a:p>
+          <a:p>
+            <a:pPr lvl="1"/>
             <a:endParaRPr lang="pt-BR" dirty="0"/>
           </a:p>
         </p:txBody>
@@ -9144,7 +8880,7 @@
     </p:spTree>
     <p:extLst>
       <p:ext uri="{BB962C8B-B14F-4D97-AF65-F5344CB8AC3E}">
-        <p14:creationId xmlns:p14="http://schemas.microsoft.com/office/powerpoint/2010/main" val="3668981799"/>
+        <p14:creationId xmlns:p14="http://schemas.microsoft.com/office/powerpoint/2010/main" val="1745481332"/>
       </p:ext>
     </p:extLst>
   </p:cSld>

--- a/avc-images/apresentação II.pptx
+++ b/avc-images/apresentação II.pptx
@@ -289,7 +289,7 @@
           <a:p>
             <a:fld id="{A13F4FCF-11A6-4574-B39A-7F4B241CA0C1}" type="datetimeFigureOut">
               <a:rPr lang="pt-BR" smtClean="0"/>
-              <a:t>14/10/2022</a:t>
+              <a:t>17/10/2022</a:t>
             </a:fld>
             <a:endParaRPr lang="pt-BR" dirty="0"/>
           </a:p>
@@ -487,7 +487,7 @@
           <a:p>
             <a:fld id="{A13F4FCF-11A6-4574-B39A-7F4B241CA0C1}" type="datetimeFigureOut">
               <a:rPr lang="pt-BR" smtClean="0"/>
-              <a:t>14/10/2022</a:t>
+              <a:t>17/10/2022</a:t>
             </a:fld>
             <a:endParaRPr lang="pt-BR" dirty="0"/>
           </a:p>
@@ -695,7 +695,7 @@
           <a:p>
             <a:fld id="{A13F4FCF-11A6-4574-B39A-7F4B241CA0C1}" type="datetimeFigureOut">
               <a:rPr lang="pt-BR" smtClean="0"/>
-              <a:t>14/10/2022</a:t>
+              <a:t>17/10/2022</a:t>
             </a:fld>
             <a:endParaRPr lang="pt-BR" dirty="0"/>
           </a:p>
@@ -1438,7 +1438,7 @@
           <a:p>
             <a:fld id="{A13F4FCF-11A6-4574-B39A-7F4B241CA0C1}" type="datetimeFigureOut">
               <a:rPr lang="pt-BR" smtClean="0"/>
-              <a:t>14/10/2022</a:t>
+              <a:t>17/10/2022</a:t>
             </a:fld>
             <a:endParaRPr lang="pt-BR" dirty="0"/>
           </a:p>
@@ -1860,7 +1860,7 @@
           <a:p>
             <a:fld id="{A13F4FCF-11A6-4574-B39A-7F4B241CA0C1}" type="datetimeFigureOut">
               <a:rPr lang="pt-BR" smtClean="0"/>
-              <a:t>14/10/2022</a:t>
+              <a:t>17/10/2022</a:t>
             </a:fld>
             <a:endParaRPr lang="pt-BR" dirty="0"/>
           </a:p>
@@ -2001,7 +2001,7 @@
           <a:p>
             <a:fld id="{A13F4FCF-11A6-4574-B39A-7F4B241CA0C1}" type="datetimeFigureOut">
               <a:rPr lang="pt-BR" smtClean="0"/>
-              <a:t>14/10/2022</a:t>
+              <a:t>17/10/2022</a:t>
             </a:fld>
             <a:endParaRPr lang="pt-BR" dirty="0"/>
           </a:p>
@@ -2114,7 +2114,7 @@
           <a:p>
             <a:fld id="{A13F4FCF-11A6-4574-B39A-7F4B241CA0C1}" type="datetimeFigureOut">
               <a:rPr lang="pt-BR" smtClean="0"/>
-              <a:t>14/10/2022</a:t>
+              <a:t>17/10/2022</a:t>
             </a:fld>
             <a:endParaRPr lang="pt-BR" dirty="0"/>
           </a:p>
@@ -2425,7 +2425,7 @@
           <a:p>
             <a:fld id="{A13F4FCF-11A6-4574-B39A-7F4B241CA0C1}" type="datetimeFigureOut">
               <a:rPr lang="pt-BR" smtClean="0"/>
-              <a:t>14/10/2022</a:t>
+              <a:t>17/10/2022</a:t>
             </a:fld>
             <a:endParaRPr lang="pt-BR" dirty="0"/>
           </a:p>
@@ -2713,7 +2713,7 @@
           <a:p>
             <a:fld id="{A13F4FCF-11A6-4574-B39A-7F4B241CA0C1}" type="datetimeFigureOut">
               <a:rPr lang="pt-BR" smtClean="0"/>
-              <a:t>14/10/2022</a:t>
+              <a:t>17/10/2022</a:t>
             </a:fld>
             <a:endParaRPr lang="pt-BR" dirty="0"/>
           </a:p>
@@ -2954,7 +2954,7 @@
           <a:p>
             <a:fld id="{A13F4FCF-11A6-4574-B39A-7F4B241CA0C1}" type="datetimeFigureOut">
               <a:rPr lang="pt-BR" smtClean="0"/>
-              <a:t>14/10/2022</a:t>
+              <a:t>17/10/2022</a:t>
             </a:fld>
             <a:endParaRPr lang="pt-BR" dirty="0"/>
           </a:p>
@@ -3505,8 +3505,13 @@
           <a:p>
             <a:r>
               <a:rPr lang="pt-BR" dirty="0"/>
-              <a:t>Sobre a rede desenvolvida - introdução</a:t>
-            </a:r>
+              <a:t>Sobre a </a:t>
+            </a:r>
+            <a:r>
+              <a:rPr lang="pt-BR"/>
+              <a:t>rede construída</a:t>
+            </a:r>
+            <a:endParaRPr lang="pt-BR" dirty="0"/>
           </a:p>
         </p:txBody>
       </p:sp>
